--- a/Whiteboard design session/WDS trainer presentation - Cognitive Services and deep learning.pptx
+++ b/Whiteboard design session/WDS trainer presentation - Cognitive Services and deep learning.pptx
@@ -144,6 +144,9 @@
     <p:ext uri="{EFAFB233-063F-42B5-8137-9DF3F51BA10A}">
       <p15:sldGuideLst xmlns:p15="http://schemas.microsoft.com/office/powerpoint/2012/main"/>
     </p:ext>
+    <p:ext uri="{2D200454-40CA-4A62-9FC3-DE9A4176ACB9}">
+      <p15:notesGuideLst xmlns:p15="http://schemas.microsoft.com/office/powerpoint/2012/main"/>
+    </p:ext>
   </p:extLst>
 </p:presentation>
 </file>
@@ -230,7 +233,7 @@
           <a:p>
             <a:fld id="{52A13B17-C506-4D51-BB37-16B365906619}" type="datetimeFigureOut">
               <a:rPr lang="en-US" smtClean="0"/>
-              <a:t>4/10/2018</a:t>
+              <a:t>6/26/2018</a:t>
             </a:fld>
             <a:endParaRPr lang="en-US" dirty="0"/>
           </a:p>
@@ -3010,7 +3013,7 @@
                   <a:prstClr val="black"/>
                 </a:solidFill>
               </a:rPr>
-              <a:t>4/10/2018 7:31 PM</a:t>
+              <a:t>6/26/2018 3:20 PM</a:t>
             </a:fld>
             <a:endParaRPr lang="en-US" dirty="0">
               <a:solidFill>
@@ -16690,6 +16693,15 @@
               </a:rPr>
               <a:t>Preferred target audience</a:t>
             </a:r>
+            <a:r>
+              <a:rPr lang="en-US" dirty="0">
+                <a:solidFill>
+                  <a:schemeClr val="tx1"/>
+                </a:solidFill>
+                <a:latin typeface="Segoe UI" panose="020B0502040204020203" pitchFamily="34" charset="0"/>
+              </a:rPr>
+              <a:t/>
+            </a:r>
             <a:br>
               <a:rPr lang="en-US" dirty="0">
                 <a:solidFill>
@@ -16833,45 +16845,113 @@
         <p:spPr/>
         <p:txBody>
           <a:bodyPr>
-            <a:normAutofit fontScale="90000"/>
+            <a:noAutofit/>
           </a:bodyPr>
           <a:lstStyle/>
           <a:p>
             <a:r>
-              <a:rPr lang="en-US" sz="4900" dirty="0">
+              <a:rPr lang="en-US" sz="4400" dirty="0" smtClean="0">
                 <a:solidFill>
                   <a:schemeClr val="tx1"/>
                 </a:solidFill>
-                <a:cs typeface="Segoe UI" panose="020B0502040204020203" pitchFamily="34" charset="0"/>
-              </a:rPr>
-              <a:t>Preferred solution – </a:t>
-            </a:r>
-            <a:r>
-              <a:rPr lang="en-US" sz="4900" dirty="0">
+              </a:rPr>
+              <a:t>Preferred solution</a:t>
+            </a:r>
+            <a:br>
+              <a:rPr lang="en-US" sz="4400" dirty="0" smtClean="0">
                 <a:solidFill>
                   <a:schemeClr val="tx1"/>
                 </a:solidFill>
               </a:rPr>
-              <a:t>Hi</a:t>
-            </a:r>
-            <a:r>
-              <a:rPr lang="en-US" sz="4900" dirty="0">
+            </a:br>
+            <a:endParaRPr lang="en-US" sz="4400" dirty="0">
+              <a:solidFill>
+                <a:schemeClr val="tx1"/>
+              </a:solidFill>
+              <a:latin typeface="Segoe UI" panose="020B0502040204020203" pitchFamily="34" charset="0"/>
+            </a:endParaRPr>
+          </a:p>
+        </p:txBody>
+      </p:sp>
+      <p:sp>
+        <p:nvSpPr>
+          <p:cNvPr id="9" name="Title 1"/>
+          <p:cNvSpPr txBox="1">
+            <a:spLocks/>
+          </p:cNvSpPr>
+          <p:nvPr/>
+        </p:nvSpPr>
+        <p:spPr>
+          <a:xfrm>
+            <a:off x="269240" y="1045414"/>
+            <a:ext cx="11655840" cy="899665"/>
+          </a:xfrm>
+          <a:prstGeom prst="rect">
+            <a:avLst/>
+          </a:prstGeom>
+        </p:spPr>
+        <p:txBody>
+          <a:bodyPr vert="horz" wrap="square" lIns="146304" tIns="91440" rIns="146304" bIns="91440" rtlCol="0" anchor="t">
+            <a:noAutofit/>
+          </a:bodyPr>
+          <a:lstStyle>
+            <a:lvl1pPr algn="l" defTabSz="914367" rtl="0" eaLnBrk="1" latinLnBrk="0" hangingPunct="1">
+              <a:lnSpc>
+                <a:spcPct val="90000"/>
+              </a:lnSpc>
+              <a:spcBef>
+                <a:spcPct val="0"/>
+              </a:spcBef>
+              <a:buNone/>
+              <a:defRPr lang="en-US" sz="4705" b="0" kern="1200" cap="none" spc="-100" baseline="0" dirty="0" smtClean="0">
+                <a:ln w="3175">
+                  <a:noFill/>
+                </a:ln>
+                <a:gradFill>
+                  <a:gsLst>
+                    <a:gs pos="1250">
+                      <a:schemeClr val="tx1"/>
+                    </a:gs>
+                    <a:gs pos="100000">
+                      <a:schemeClr val="tx1"/>
+                    </a:gs>
+                  </a:gsLst>
+                  <a:lin ang="5400000" scaled="0"/>
+                </a:gradFill>
+                <a:effectLst/>
+                <a:latin typeface="+mj-lt"/>
+                <a:ea typeface="+mn-ea"/>
+                <a:cs typeface="Segoe UI" pitchFamily="34" charset="0"/>
+              </a:defRPr>
+            </a:lvl1pPr>
+          </a:lstStyle>
+          <a:p>
+            <a:r>
+              <a:rPr lang="en-US" sz="3600" dirty="0" smtClean="0">
                 <a:solidFill>
                   <a:schemeClr val="tx1"/>
                 </a:solidFill>
-                <a:cs typeface="Segoe UI" panose="020B0502040204020203" pitchFamily="34" charset="0"/>
-              </a:rPr>
-              <a:t>gh-level architecture</a:t>
-            </a:r>
-            <a:br>
-              <a:rPr lang="en-US" dirty="0">
+              </a:rPr>
+              <a:t>High-level architecture</a:t>
+            </a:r>
+            <a:r>
+              <a:rPr lang="en-US" sz="3600" dirty="0" smtClean="0">
                 <a:solidFill>
                   <a:schemeClr val="tx1"/>
                 </a:solidFill>
                 <a:latin typeface="Segoe UI" panose="020B0502040204020203" pitchFamily="34" charset="0"/>
               </a:rPr>
+              <a:t/>
+            </a:r>
+            <a:br>
+              <a:rPr lang="en-US" sz="3600" dirty="0" smtClean="0">
+                <a:solidFill>
+                  <a:schemeClr val="tx1"/>
+                </a:solidFill>
+                <a:latin typeface="Segoe UI" panose="020B0502040204020203" pitchFamily="34" charset="0"/>
+              </a:rPr>
             </a:br>
-            <a:endParaRPr lang="en-US" sz="3236" dirty="0">
+            <a:endParaRPr lang="en-US" sz="3600" dirty="0">
               <a:solidFill>
                 <a:schemeClr val="tx1"/>
               </a:solidFill>
@@ -17009,7 +17089,7 @@
         <p:spPr/>
         <p:txBody>
           <a:bodyPr>
-            <a:normAutofit fontScale="90000"/>
+            <a:normAutofit/>
           </a:bodyPr>
           <a:lstStyle/>
           <a:p>
@@ -17020,21 +17100,93 @@
                 </a:solidFill>
                 <a:cs typeface="Segoe UI" panose="020B0502040204020203" pitchFamily="34" charset="0"/>
               </a:rPr>
-              <a:t>Preferred solution – Classifying claim-text data</a:t>
-            </a:r>
-            <a:br>
-              <a:rPr lang="en-US" dirty="0">
+              <a:t>Preferred </a:t>
+            </a:r>
+            <a:r>
+              <a:rPr lang="en-US" sz="4900" dirty="0" smtClean="0">
                 <a:solidFill>
                   <a:schemeClr val="tx1"/>
                 </a:solidFill>
-                <a:latin typeface="Segoe UI" panose="020B0502040204020203" pitchFamily="34" charset="0"/>
-              </a:rPr>
-            </a:br>
+                <a:cs typeface="Segoe UI" panose="020B0502040204020203" pitchFamily="34" charset="0"/>
+              </a:rPr>
+              <a:t>solution</a:t>
+            </a:r>
             <a:endParaRPr lang="en-US" sz="3236" dirty="0">
               <a:solidFill>
                 <a:schemeClr val="tx1"/>
               </a:solidFill>
               <a:latin typeface="Segoe UI" panose="020B0502040204020203" pitchFamily="34" charset="0"/>
+            </a:endParaRPr>
+          </a:p>
+        </p:txBody>
+      </p:sp>
+      <p:sp>
+        <p:nvSpPr>
+          <p:cNvPr id="5" name="Title 1"/>
+          <p:cNvSpPr txBox="1">
+            <a:spLocks/>
+          </p:cNvSpPr>
+          <p:nvPr/>
+        </p:nvSpPr>
+        <p:spPr>
+          <a:xfrm>
+            <a:off x="269240" y="1130942"/>
+            <a:ext cx="11655840" cy="899665"/>
+          </a:xfrm>
+          <a:prstGeom prst="rect">
+            <a:avLst/>
+          </a:prstGeom>
+        </p:spPr>
+        <p:txBody>
+          <a:bodyPr vert="horz" wrap="square" lIns="146304" tIns="91440" rIns="146304" bIns="91440" rtlCol="0" anchor="t">
+            <a:noAutofit/>
+          </a:bodyPr>
+          <a:lstStyle>
+            <a:lvl1pPr algn="l" defTabSz="914367" rtl="0" eaLnBrk="1" latinLnBrk="0" hangingPunct="1">
+              <a:lnSpc>
+                <a:spcPct val="90000"/>
+              </a:lnSpc>
+              <a:spcBef>
+                <a:spcPct val="0"/>
+              </a:spcBef>
+              <a:buNone/>
+              <a:defRPr lang="en-US" sz="4705" b="0" kern="1200" cap="none" spc="-100" baseline="0" dirty="0" smtClean="0">
+                <a:ln w="3175">
+                  <a:noFill/>
+                </a:ln>
+                <a:gradFill>
+                  <a:gsLst>
+                    <a:gs pos="1250">
+                      <a:schemeClr val="tx1"/>
+                    </a:gs>
+                    <a:gs pos="100000">
+                      <a:schemeClr val="tx1"/>
+                    </a:gs>
+                  </a:gsLst>
+                  <a:lin ang="5400000" scaled="0"/>
+                </a:gradFill>
+                <a:effectLst/>
+                <a:latin typeface="+mj-lt"/>
+                <a:ea typeface="+mn-ea"/>
+                <a:cs typeface="Segoe UI" pitchFamily="34" charset="0"/>
+              </a:defRPr>
+            </a:lvl1pPr>
+          </a:lstStyle>
+          <a:p>
+            <a:r>
+              <a:rPr lang="en-US" sz="3600" dirty="0" smtClean="0">
+                <a:solidFill>
+                  <a:schemeClr val="tx1"/>
+                </a:solidFill>
+                <a:latin typeface="+mn-lt"/>
+              </a:rPr>
+              <a:t>Classifying claim-text data</a:t>
+            </a:r>
+            <a:endParaRPr lang="en-US" sz="3600" dirty="0">
+              <a:solidFill>
+                <a:schemeClr val="tx1"/>
+              </a:solidFill>
+              <a:latin typeface="+mn-lt"/>
             </a:endParaRPr>
           </a:p>
         </p:txBody>
@@ -17049,7 +17201,12 @@
             <p:ph type="body" sz="quarter" idx="10"/>
           </p:nvPr>
         </p:nvSpPr>
-        <p:spPr/>
+        <p:spPr>
+          <a:xfrm>
+            <a:off x="9443754" y="3219186"/>
+            <a:ext cx="2282217" cy="2052030"/>
+          </a:xfrm>
+        </p:spPr>
         <p:txBody>
           <a:bodyPr>
             <a:noAutofit/>
@@ -17064,7 +17221,7 @@
                 <a:solidFill>
                   <a:schemeClr val="tx1"/>
                 </a:solidFill>
-                <a:latin typeface="+mj-lt"/>
+                <a:latin typeface="+mn-lt"/>
               </a:rPr>
               <a:t>General pipeline for text analytics</a:t>
             </a:r>
@@ -17086,28 +17243,28 @@
       </p:sp>
       <p:pic>
         <p:nvPicPr>
-          <p:cNvPr id="7" name="Picture 6" descr="In the high-level steps for traning a classification model with text diagram, Document labels points to Supervised ML or DL Algorithm, which points to Classification Model. Documents points to Text Normalization, which points to Feature Extraction, which points to Supervised ML or DL Algorithm." title="High-level steps for traning a classification model with text">
-            <a:extLst>
-              <a:ext uri="{FF2B5EF4-FFF2-40B4-BE49-F238E27FC236}">
-                <a16:creationId xmlns:a16="http://schemas.microsoft.com/office/drawing/2014/main" id="{5BEF9D34-87E8-477D-987A-8575B4A83D0B}"/>
-              </a:ext>
-            </a:extLst>
-          </p:cNvPr>
+          <p:cNvPr id="4" name="Picture 3" descr="In the high-level steps for traning a classification model with text diagram, Document labels points to Supervised ML or DL Algorithm, which points to Classification Model. Documents points to Text Normalization, which points to Feature Extraction, which points to Supervised ML or DL Algorithm." title="High-level steps for traning a classification model with text"/>
           <p:cNvPicPr>
             <a:picLocks noChangeAspect="1"/>
           </p:cNvPicPr>
           <p:nvPr/>
         </p:nvPicPr>
         <p:blipFill>
-          <a:blip r:embed="rId3"/>
+          <a:blip r:embed="rId3">
+            <a:extLst>
+              <a:ext uri="{28A0092B-C50C-407E-A947-70E740481C1C}">
+                <a14:useLocalDpi xmlns:a14="http://schemas.microsoft.com/office/drawing/2010/main" val="0"/>
+              </a:ext>
+            </a:extLst>
+          </a:blip>
           <a:stretch>
             <a:fillRect/>
           </a:stretch>
         </p:blipFill>
         <p:spPr>
           <a:xfrm>
-            <a:off x="1343809" y="1924551"/>
-            <a:ext cx="8285182" cy="4493141"/>
+            <a:off x="470715" y="1855362"/>
+            <a:ext cx="8858256" cy="4779678"/>
           </a:xfrm>
           <a:prstGeom prst="rect">
             <a:avLst/>
@@ -17165,7 +17322,7 @@
         <p:spPr/>
         <p:txBody>
           <a:bodyPr>
-            <a:normAutofit fontScale="90000"/>
+            <a:normAutofit/>
           </a:bodyPr>
           <a:lstStyle/>
           <a:p>
@@ -17175,13 +17332,92 @@
                   <a:schemeClr val="tx1"/>
                 </a:solidFill>
               </a:rPr>
-              <a:t>Preferred solution – Classifying claim-text data</a:t>
+              <a:t>Preferred </a:t>
+            </a:r>
+            <a:r>
+              <a:rPr lang="en-US" sz="4900" dirty="0" smtClean="0">
+                <a:solidFill>
+                  <a:schemeClr val="tx1"/>
+                </a:solidFill>
+              </a:rPr>
+              <a:t>solution</a:t>
             </a:r>
             <a:endParaRPr lang="en-US" sz="3236" dirty="0">
               <a:solidFill>
                 <a:schemeClr val="tx1"/>
               </a:solidFill>
               <a:latin typeface="Segoe UI" panose="020B0502040204020203" pitchFamily="34" charset="0"/>
+            </a:endParaRPr>
+          </a:p>
+        </p:txBody>
+      </p:sp>
+      <p:sp>
+        <p:nvSpPr>
+          <p:cNvPr id="4" name="Title 1"/>
+          <p:cNvSpPr txBox="1">
+            <a:spLocks/>
+          </p:cNvSpPr>
+          <p:nvPr/>
+        </p:nvSpPr>
+        <p:spPr>
+          <a:xfrm>
+            <a:off x="269240" y="1202695"/>
+            <a:ext cx="11655840" cy="899665"/>
+          </a:xfrm>
+          <a:prstGeom prst="rect">
+            <a:avLst/>
+          </a:prstGeom>
+        </p:spPr>
+        <p:txBody>
+          <a:bodyPr vert="horz" wrap="square" lIns="146304" tIns="91440" rIns="146304" bIns="91440" rtlCol="0" anchor="t">
+            <a:noAutofit/>
+          </a:bodyPr>
+          <a:lstStyle>
+            <a:lvl1pPr algn="l" defTabSz="914367" rtl="0" eaLnBrk="1" latinLnBrk="0" hangingPunct="1">
+              <a:lnSpc>
+                <a:spcPct val="90000"/>
+              </a:lnSpc>
+              <a:spcBef>
+                <a:spcPct val="0"/>
+              </a:spcBef>
+              <a:buNone/>
+              <a:defRPr lang="en-US" sz="4705" b="0" kern="1200" cap="none" spc="-100" baseline="0" dirty="0" smtClean="0">
+                <a:ln w="3175">
+                  <a:noFill/>
+                </a:ln>
+                <a:gradFill>
+                  <a:gsLst>
+                    <a:gs pos="1250">
+                      <a:schemeClr val="tx1"/>
+                    </a:gs>
+                    <a:gs pos="100000">
+                      <a:schemeClr val="tx1"/>
+                    </a:gs>
+                  </a:gsLst>
+                  <a:lin ang="5400000" scaled="0"/>
+                </a:gradFill>
+                <a:effectLst/>
+                <a:latin typeface="+mj-lt"/>
+                <a:ea typeface="+mn-ea"/>
+                <a:cs typeface="Segoe UI" pitchFamily="34" charset="0"/>
+              </a:defRPr>
+            </a:lvl1pPr>
+          </a:lstStyle>
+          <a:p>
+            <a:r>
+              <a:rPr lang="en-US" sz="3600" dirty="0" smtClean="0">
+                <a:solidFill>
+                  <a:schemeClr val="tx1"/>
+                </a:solidFill>
+                <a:latin typeface="+mn-lt"/>
+              </a:rPr>
+              <a:t>Classifying claim-text data</a:t>
+            </a:r>
+            <a:endParaRPr lang="en-US" sz="3600" dirty="0">
+              <a:solidFill>
+                <a:schemeClr val="tx1"/>
+              </a:solidFill>
+              <a:latin typeface="+mn-lt"/>
             </a:endParaRPr>
           </a:p>
         </p:txBody>
@@ -17196,7 +17432,12 @@
             <p:ph type="body" sz="quarter" idx="10"/>
           </p:nvPr>
         </p:nvSpPr>
-        <p:spPr/>
+        <p:spPr>
+          <a:xfrm>
+            <a:off x="271557" y="2194365"/>
+            <a:ext cx="11653523" cy="3945177"/>
+          </a:xfrm>
+        </p:spPr>
         <p:txBody>
           <a:bodyPr>
             <a:noAutofit/>
@@ -17212,13 +17453,39 @@
                   <a:schemeClr val="tx1"/>
                 </a:solidFill>
               </a:rPr>
-              <a:t>What data would they need to train the model?</a:t>
-            </a:r>
-          </a:p>
-          <a:p>
-            <a:pPr marL="0" indent="0">
-              <a:buNone/>
-            </a:pPr>
+              <a:t>What data would they need to train the model</a:t>
+            </a:r>
+            <a:r>
+              <a:rPr lang="en-US" sz="2800" dirty="0" smtClean="0">
+                <a:solidFill>
+                  <a:schemeClr val="tx1"/>
+                </a:solidFill>
+              </a:rPr>
+              <a:t>?</a:t>
+            </a:r>
+            <a:br>
+              <a:rPr lang="en-US" sz="2800" dirty="0" smtClean="0">
+                <a:solidFill>
+                  <a:schemeClr val="tx1"/>
+                </a:solidFill>
+              </a:rPr>
+            </a:br>
+            <a:endParaRPr lang="en-US" sz="2800" dirty="0">
+              <a:solidFill>
+                <a:schemeClr val="tx1"/>
+              </a:solidFill>
+            </a:endParaRPr>
+          </a:p>
+          <a:p>
+            <a:r>
+              <a:rPr lang="en-US" sz="2400" dirty="0" smtClean="0">
+                <a:solidFill>
+                  <a:schemeClr val="tx1"/>
+                </a:solidFill>
+                <a:latin typeface="+mn-lt"/>
+              </a:rPr>
+              <a:t>Contoso </a:t>
+            </a:r>
             <a:r>
               <a:rPr lang="en-US" sz="2400" dirty="0">
                 <a:solidFill>
@@ -17226,7 +17493,7 @@
                 </a:solidFill>
                 <a:latin typeface="+mn-lt"/>
               </a:rPr>
-              <a:t>Contoso would need to have a certain amount of historical claim text and have it labeled as home or auto in order to train a model.</a:t>
+              <a:t>would need to have a certain amount of historical claim text and have it labeled as home or auto in order to train a model.</a:t>
             </a:r>
           </a:p>
           <a:p>
@@ -17248,18 +17515,43 @@
               </a:rPr>
               <a:t>Could they use a Deep Neural Networks (DNN) for this? </a:t>
             </a:r>
-          </a:p>
-          <a:p>
-            <a:pPr marL="0" indent="0">
-              <a:buNone/>
-            </a:pPr>
+            <a:r>
+              <a:rPr lang="en-US" sz="2800" dirty="0" smtClean="0">
+                <a:solidFill>
+                  <a:schemeClr val="tx1"/>
+                </a:solidFill>
+              </a:rPr>
+              <a:t/>
+            </a:r>
+            <a:br>
+              <a:rPr lang="en-US" sz="2800" dirty="0" smtClean="0">
+                <a:solidFill>
+                  <a:schemeClr val="tx1"/>
+                </a:solidFill>
+              </a:rPr>
+            </a:br>
+            <a:endParaRPr lang="en-US" sz="2800" dirty="0">
+              <a:solidFill>
+                <a:schemeClr val="tx1"/>
+              </a:solidFill>
+            </a:endParaRPr>
+          </a:p>
+          <a:p>
+            <a:r>
+              <a:rPr lang="en-US" sz="2400" dirty="0" smtClean="0">
+                <a:solidFill>
+                  <a:schemeClr val="tx1"/>
+                </a:solidFill>
+              </a:rPr>
+              <a:t>Yes</a:t>
+            </a:r>
             <a:r>
               <a:rPr lang="en-US" sz="2400" dirty="0">
                 <a:solidFill>
                   <a:schemeClr val="tx1"/>
                 </a:solidFill>
               </a:rPr>
-              <a:t>Yes, they could build a DNN that performs classification against the document tensors (or vectors of word frequencies).</a:t>
+              <a:t>, they could build a DNN that performs classification against the document tensors (or vectors of word frequencies).</a:t>
             </a:r>
             <a:br>
               <a:rPr lang="en-US" sz="2400" dirty="0">
@@ -17353,7 +17645,7 @@
         <p:spPr/>
         <p:txBody>
           <a:bodyPr>
-            <a:normAutofit fontScale="90000"/>
+            <a:normAutofit/>
           </a:bodyPr>
           <a:lstStyle/>
           <a:p>
@@ -17363,13 +17655,92 @@
                   <a:schemeClr val="tx1"/>
                 </a:solidFill>
               </a:rPr>
-              <a:t>Preferred solution – Classifying claim-text data</a:t>
+              <a:t>Preferred </a:t>
+            </a:r>
+            <a:r>
+              <a:rPr lang="en-US" sz="4900" dirty="0" smtClean="0">
+                <a:solidFill>
+                  <a:schemeClr val="tx1"/>
+                </a:solidFill>
+              </a:rPr>
+              <a:t>solution</a:t>
             </a:r>
             <a:endParaRPr lang="en-US" sz="3236" dirty="0">
               <a:solidFill>
                 <a:schemeClr val="tx1"/>
               </a:solidFill>
               <a:latin typeface="Segoe UI" panose="020B0502040204020203" pitchFamily="34" charset="0"/>
+            </a:endParaRPr>
+          </a:p>
+        </p:txBody>
+      </p:sp>
+      <p:sp>
+        <p:nvSpPr>
+          <p:cNvPr id="4" name="Title 1"/>
+          <p:cNvSpPr txBox="1">
+            <a:spLocks/>
+          </p:cNvSpPr>
+          <p:nvPr/>
+        </p:nvSpPr>
+        <p:spPr>
+          <a:xfrm>
+            <a:off x="269240" y="1189176"/>
+            <a:ext cx="11655840" cy="899665"/>
+          </a:xfrm>
+          <a:prstGeom prst="rect">
+            <a:avLst/>
+          </a:prstGeom>
+        </p:spPr>
+        <p:txBody>
+          <a:bodyPr vert="horz" wrap="square" lIns="146304" tIns="91440" rIns="146304" bIns="91440" rtlCol="0" anchor="t">
+            <a:noAutofit/>
+          </a:bodyPr>
+          <a:lstStyle>
+            <a:lvl1pPr algn="l" defTabSz="914367" rtl="0" eaLnBrk="1" latinLnBrk="0" hangingPunct="1">
+              <a:lnSpc>
+                <a:spcPct val="90000"/>
+              </a:lnSpc>
+              <a:spcBef>
+                <a:spcPct val="0"/>
+              </a:spcBef>
+              <a:buNone/>
+              <a:defRPr lang="en-US" sz="4705" b="0" kern="1200" cap="none" spc="-100" baseline="0" dirty="0" smtClean="0">
+                <a:ln w="3175">
+                  <a:noFill/>
+                </a:ln>
+                <a:gradFill>
+                  <a:gsLst>
+                    <a:gs pos="1250">
+                      <a:schemeClr val="tx1"/>
+                    </a:gs>
+                    <a:gs pos="100000">
+                      <a:schemeClr val="tx1"/>
+                    </a:gs>
+                  </a:gsLst>
+                  <a:lin ang="5400000" scaled="0"/>
+                </a:gradFill>
+                <a:effectLst/>
+                <a:latin typeface="+mj-lt"/>
+                <a:ea typeface="+mn-ea"/>
+                <a:cs typeface="Segoe UI" pitchFamily="34" charset="0"/>
+              </a:defRPr>
+            </a:lvl1pPr>
+          </a:lstStyle>
+          <a:p>
+            <a:r>
+              <a:rPr lang="en-US" sz="3600" dirty="0" smtClean="0">
+                <a:solidFill>
+                  <a:schemeClr val="tx1"/>
+                </a:solidFill>
+                <a:latin typeface="+mn-lt"/>
+              </a:rPr>
+              <a:t>Classifying claim-text data</a:t>
+            </a:r>
+            <a:endParaRPr lang="en-US" sz="3600" dirty="0">
+              <a:solidFill>
+                <a:schemeClr val="tx1"/>
+              </a:solidFill>
+              <a:latin typeface="+mn-lt"/>
             </a:endParaRPr>
           </a:p>
         </p:txBody>
@@ -17386,8 +17757,8 @@
         </p:nvSpPr>
         <p:spPr>
           <a:xfrm>
-            <a:off x="269239" y="1189177"/>
-            <a:ext cx="11653523" cy="5379312"/>
+            <a:off x="271557" y="2005605"/>
+            <a:ext cx="11653523" cy="4678224"/>
           </a:xfrm>
         </p:spPr>
         <p:txBody>
@@ -17400,15 +17771,88 @@
               <a:buNone/>
             </a:pPr>
             <a:r>
-              <a:rPr lang="en-US" sz="2800" dirty="0">
+              <a:rPr lang="en-US" sz="2800" dirty="0" smtClean="0">
                 <a:solidFill>
                   <a:schemeClr val="tx1"/>
                 </a:solidFill>
               </a:rPr>
-              <a:t>Would TFLearn provide a good starting point for them to work with DNN’s and TensorFlow?</a:t>
-            </a:r>
-          </a:p>
-          <a:p>
+              <a:t>Would </a:t>
+            </a:r>
+            <a:r>
+              <a:rPr lang="en-US" sz="2800" dirty="0" err="1" smtClean="0">
+                <a:solidFill>
+                  <a:schemeClr val="tx1"/>
+                </a:solidFill>
+              </a:rPr>
+              <a:t>TFLearn</a:t>
+            </a:r>
+            <a:r>
+              <a:rPr lang="en-US" sz="2800" dirty="0" smtClean="0">
+                <a:solidFill>
+                  <a:schemeClr val="tx1"/>
+                </a:solidFill>
+              </a:rPr>
+              <a:t> provide a good starting point for them to work with DNN’s and </a:t>
+            </a:r>
+            <a:r>
+              <a:rPr lang="en-US" sz="2800" dirty="0" err="1" smtClean="0">
+                <a:solidFill>
+                  <a:schemeClr val="tx1"/>
+                </a:solidFill>
+              </a:rPr>
+              <a:t>TensorFlow</a:t>
+            </a:r>
+            <a:r>
+              <a:rPr lang="en-US" sz="2800" dirty="0" smtClean="0">
+                <a:solidFill>
+                  <a:schemeClr val="tx1"/>
+                </a:solidFill>
+              </a:rPr>
+              <a:t>?</a:t>
+            </a:r>
+            <a:br>
+              <a:rPr lang="en-US" sz="2800" dirty="0" smtClean="0">
+                <a:solidFill>
+                  <a:schemeClr val="tx1"/>
+                </a:solidFill>
+              </a:rPr>
+            </a:br>
+            <a:endParaRPr lang="en-US" sz="2800" dirty="0" smtClean="0">
+              <a:solidFill>
+                <a:schemeClr val="tx1"/>
+              </a:solidFill>
+            </a:endParaRPr>
+          </a:p>
+          <a:p>
+            <a:r>
+              <a:rPr lang="en-US" sz="2400" dirty="0" smtClean="0">
+                <a:solidFill>
+                  <a:schemeClr val="tx1"/>
+                </a:solidFill>
+                <a:latin typeface="+mn-lt"/>
+              </a:rPr>
+              <a:t>Yes</a:t>
+            </a:r>
+          </a:p>
+          <a:p>
+            <a:r>
+              <a:rPr lang="en-US" sz="2400" dirty="0" err="1" smtClean="0">
+                <a:solidFill>
+                  <a:schemeClr val="tx1"/>
+                </a:solidFill>
+                <a:latin typeface="+mn-lt"/>
+              </a:rPr>
+              <a:t>TensorFlow</a:t>
+            </a:r>
+            <a:r>
+              <a:rPr lang="en-US" sz="2400" dirty="0" smtClean="0">
+                <a:solidFill>
+                  <a:schemeClr val="tx1"/>
+                </a:solidFill>
+                <a:latin typeface="+mn-lt"/>
+              </a:rPr>
+              <a:t> </a:t>
+            </a:r>
             <a:r>
               <a:rPr lang="en-US" sz="2400" dirty="0">
                 <a:solidFill>
@@ -17416,8 +17860,23 @@
                 </a:solidFill>
                 <a:latin typeface="+mn-lt"/>
               </a:rPr>
-              <a:t>Yes.</a:t>
-            </a:r>
+              <a:t>is a robust framework for performing machine learning, including building neural </a:t>
+            </a:r>
+            <a:r>
+              <a:rPr lang="en-US" sz="2400" dirty="0" smtClean="0">
+                <a:solidFill>
+                  <a:schemeClr val="tx1"/>
+                </a:solidFill>
+                <a:latin typeface="+mn-lt"/>
+              </a:rPr>
+              <a:t>networks</a:t>
+            </a:r>
+            <a:endParaRPr lang="en-US" sz="2400" dirty="0">
+              <a:solidFill>
+                <a:schemeClr val="tx1"/>
+              </a:solidFill>
+              <a:latin typeface="+mn-lt"/>
+            </a:endParaRPr>
           </a:p>
           <a:p>
             <a:r>
@@ -17427,8 +17886,23 @@
                 </a:solidFill>
                 <a:latin typeface="+mn-lt"/>
               </a:rPr>
-              <a:t>TensorFlow is a robust framework for performing machine learning, including building neural networks. </a:t>
-            </a:r>
+              <a:t>The TFLearn library builds upon TensorFlow and provides an easy-to-use and understand high-level API for implementing deep neural networks, complete with tutorials and </a:t>
+            </a:r>
+            <a:r>
+              <a:rPr lang="en-US" sz="2400" dirty="0" smtClean="0">
+                <a:solidFill>
+                  <a:schemeClr val="tx1"/>
+                </a:solidFill>
+                <a:latin typeface="+mn-lt"/>
+              </a:rPr>
+              <a:t>examples</a:t>
+            </a:r>
+            <a:endParaRPr lang="en-US" sz="2400" dirty="0">
+              <a:solidFill>
+                <a:schemeClr val="tx1"/>
+              </a:solidFill>
+              <a:latin typeface="+mn-lt"/>
+            </a:endParaRPr>
           </a:p>
           <a:p>
             <a:r>
@@ -17438,10 +17912,34 @@
                 </a:solidFill>
                 <a:latin typeface="+mn-lt"/>
               </a:rPr>
-              <a:t>The TFLearn library builds upon TensorFlow and provides an easy-to-use and understand high-level API for implementing deep neural networks, complete with tutorials and examples. </a:t>
-            </a:r>
-          </a:p>
-          <a:p>
+              <a:t>Models built with TFLearn are TensorFlow models, so if they choose to move fully towards the lower level TensorFlow API’s they could do so without having to </a:t>
+            </a:r>
+            <a:r>
+              <a:rPr lang="en-US" sz="2400" dirty="0" smtClean="0">
+                <a:solidFill>
+                  <a:schemeClr val="tx1"/>
+                </a:solidFill>
+                <a:latin typeface="+mn-lt"/>
+              </a:rPr>
+              <a:t/>
+            </a:r>
+            <a:br>
+              <a:rPr lang="en-US" sz="2400" dirty="0" smtClean="0">
+                <a:solidFill>
+                  <a:schemeClr val="tx1"/>
+                </a:solidFill>
+                <a:latin typeface="+mn-lt"/>
+              </a:rPr>
+            </a:br>
+            <a:r>
+              <a:rPr lang="en-US" sz="2400" dirty="0" smtClean="0">
+                <a:solidFill>
+                  <a:schemeClr val="tx1"/>
+                </a:solidFill>
+                <a:latin typeface="+mn-lt"/>
+              </a:rPr>
+              <a:t>re-create </a:t>
+            </a:r>
             <a:r>
               <a:rPr lang="en-US" sz="2400" dirty="0">
                 <a:solidFill>
@@ -17449,8 +17947,23 @@
                 </a:solidFill>
                 <a:latin typeface="+mn-lt"/>
               </a:rPr>
-              <a:t>Models built with TFLearn are TensorFlow models, so if they choose to move fully towards the lower level TensorFlow API’s they could do so without having to re-create the models.</a:t>
-            </a:r>
+              <a:t>the </a:t>
+            </a:r>
+            <a:r>
+              <a:rPr lang="en-US" sz="2400" dirty="0" smtClean="0">
+                <a:solidFill>
+                  <a:schemeClr val="tx1"/>
+                </a:solidFill>
+                <a:latin typeface="+mn-lt"/>
+              </a:rPr>
+              <a:t>models</a:t>
+            </a:r>
+            <a:endParaRPr lang="en-US" sz="2400" dirty="0">
+              <a:solidFill>
+                <a:schemeClr val="tx1"/>
+              </a:solidFill>
+              <a:latin typeface="+mn-lt"/>
+            </a:endParaRPr>
           </a:p>
           <a:p>
             <a:pPr marL="0" indent="0">
@@ -17541,15 +18054,24 @@
                   <a:schemeClr val="tx1"/>
                 </a:solidFill>
               </a:rPr>
-              <a:t>Preferred solution – classifying claim-</a:t>
-            </a:r>
-            <a:r>
-              <a:rPr lang="en-US" sz="4900" dirty="0" err="1">
+              <a:t>Preferred </a:t>
+            </a:r>
+            <a:r>
+              <a:rPr lang="en-US" sz="4900" dirty="0" smtClean="0">
                 <a:solidFill>
                   <a:schemeClr val="tx1"/>
                 </a:solidFill>
               </a:rPr>
-              <a:t>textdata</a:t>
+              <a:t>solution</a:t>
+            </a:r>
+            <a:r>
+              <a:rPr lang="en-US" dirty="0">
+                <a:solidFill>
+                  <a:schemeClr val="tx1"/>
+                </a:solidFill>
+                <a:latin typeface="Segoe UI" panose="020B0502040204020203" pitchFamily="34" charset="0"/>
+              </a:rPr>
+              <a:t/>
             </a:r>
             <a:br>
               <a:rPr lang="en-US" dirty="0">
@@ -17564,6 +18086,77 @@
                 <a:schemeClr val="tx1"/>
               </a:solidFill>
               <a:latin typeface="Segoe UI" panose="020B0502040204020203" pitchFamily="34" charset="0"/>
+            </a:endParaRPr>
+          </a:p>
+        </p:txBody>
+      </p:sp>
+      <p:sp>
+        <p:nvSpPr>
+          <p:cNvPr id="5" name="Title 1"/>
+          <p:cNvSpPr txBox="1">
+            <a:spLocks/>
+          </p:cNvSpPr>
+          <p:nvPr/>
+        </p:nvSpPr>
+        <p:spPr>
+          <a:xfrm>
+            <a:off x="269240" y="1130942"/>
+            <a:ext cx="11655840" cy="899665"/>
+          </a:xfrm>
+          <a:prstGeom prst="rect">
+            <a:avLst/>
+          </a:prstGeom>
+        </p:spPr>
+        <p:txBody>
+          <a:bodyPr vert="horz" wrap="square" lIns="146304" tIns="91440" rIns="146304" bIns="91440" rtlCol="0" anchor="t">
+            <a:noAutofit/>
+          </a:bodyPr>
+          <a:lstStyle>
+            <a:lvl1pPr algn="l" defTabSz="914367" rtl="0" eaLnBrk="1" latinLnBrk="0" hangingPunct="1">
+              <a:lnSpc>
+                <a:spcPct val="90000"/>
+              </a:lnSpc>
+              <a:spcBef>
+                <a:spcPct val="0"/>
+              </a:spcBef>
+              <a:buNone/>
+              <a:defRPr lang="en-US" sz="4705" b="0" kern="1200" cap="none" spc="-100" baseline="0" dirty="0" smtClean="0">
+                <a:ln w="3175">
+                  <a:noFill/>
+                </a:ln>
+                <a:gradFill>
+                  <a:gsLst>
+                    <a:gs pos="1250">
+                      <a:schemeClr val="tx1"/>
+                    </a:gs>
+                    <a:gs pos="100000">
+                      <a:schemeClr val="tx1"/>
+                    </a:gs>
+                  </a:gsLst>
+                  <a:lin ang="5400000" scaled="0"/>
+                </a:gradFill>
+                <a:effectLst/>
+                <a:latin typeface="+mj-lt"/>
+                <a:ea typeface="+mn-ea"/>
+                <a:cs typeface="Segoe UI" pitchFamily="34" charset="0"/>
+              </a:defRPr>
+            </a:lvl1pPr>
+          </a:lstStyle>
+          <a:p>
+            <a:r>
+              <a:rPr lang="en-US" sz="3600" dirty="0" smtClean="0">
+                <a:solidFill>
+                  <a:schemeClr val="tx1"/>
+                </a:solidFill>
+                <a:latin typeface="+mn-lt"/>
+              </a:rPr>
+              <a:t>Classifying claim-text data</a:t>
+            </a:r>
+            <a:endParaRPr lang="en-US" sz="3600" dirty="0">
+              <a:solidFill>
+                <a:schemeClr val="tx1"/>
+              </a:solidFill>
+              <a:latin typeface="+mn-lt"/>
             </a:endParaRPr>
           </a:p>
         </p:txBody>
@@ -17580,8 +18173,8 @@
         </p:nvSpPr>
         <p:spPr>
           <a:xfrm>
-            <a:off x="269239" y="1189177"/>
-            <a:ext cx="11653523" cy="5379312"/>
+            <a:off x="269240" y="2405742"/>
+            <a:ext cx="4243729" cy="3407229"/>
           </a:xfrm>
         </p:spPr>
         <p:txBody>
@@ -17594,12 +18187,61 @@
               <a:buNone/>
             </a:pPr>
             <a:r>
+              <a:rPr lang="en-US" sz="2800" dirty="0" smtClean="0">
+                <a:solidFill>
+                  <a:schemeClr val="tx1"/>
+                </a:solidFill>
+              </a:rPr>
+              <a:t>What </a:t>
+            </a:r>
+            <a:r>
               <a:rPr lang="en-US" sz="2800" dirty="0">
                 <a:solidFill>
                   <a:schemeClr val="tx1"/>
                 </a:solidFill>
               </a:rPr>
-              <a:t>What would a very simple DNN that performs this classification look like? Sketch the graph of input nodes, hidden layer nodes, and output nodes.</a:t>
+              <a:t>would a very simple DNN that performs this classification look like? </a:t>
+            </a:r>
+            <a:r>
+              <a:rPr lang="en-US" sz="2800" dirty="0" smtClean="0">
+                <a:solidFill>
+                  <a:schemeClr val="tx1"/>
+                </a:solidFill>
+              </a:rPr>
+              <a:t/>
+            </a:r>
+            <a:br>
+              <a:rPr lang="en-US" sz="2800" dirty="0" smtClean="0">
+                <a:solidFill>
+                  <a:schemeClr val="tx1"/>
+                </a:solidFill>
+              </a:rPr>
+            </a:br>
+            <a:endParaRPr lang="en-US" sz="2800" dirty="0" smtClean="0">
+              <a:solidFill>
+                <a:schemeClr val="tx1"/>
+              </a:solidFill>
+            </a:endParaRPr>
+          </a:p>
+          <a:p>
+            <a:pPr marL="0" indent="0">
+              <a:buNone/>
+            </a:pPr>
+            <a:r>
+              <a:rPr lang="en-US" sz="2800" dirty="0" smtClean="0">
+                <a:solidFill>
+                  <a:schemeClr val="tx1"/>
+                </a:solidFill>
+              </a:rPr>
+              <a:t>Sketch </a:t>
+            </a:r>
+            <a:r>
+              <a:rPr lang="en-US" sz="2800" dirty="0">
+                <a:solidFill>
+                  <a:schemeClr val="tx1"/>
+                </a:solidFill>
+              </a:rPr>
+              <a:t>the graph of input nodes, hidden layer nodes, and output nodes.</a:t>
             </a:r>
           </a:p>
           <a:p>
@@ -17650,7 +18292,7 @@
         </p:blipFill>
         <p:spPr>
           <a:xfrm>
-            <a:off x="2391104" y="2546634"/>
+            <a:off x="4591487" y="2405742"/>
             <a:ext cx="7409793" cy="3532516"/>
           </a:xfrm>
           <a:prstGeom prst="rect">
@@ -17717,31 +18359,102 @@
         <p:spPr/>
         <p:txBody>
           <a:bodyPr>
-            <a:normAutofit fontScale="90000"/>
+            <a:normAutofit/>
           </a:bodyPr>
           <a:lstStyle/>
           <a:p>
             <a:r>
-              <a:rPr lang="en-US" sz="4900" dirty="0">
+              <a:rPr lang="en-US" sz="4400" dirty="0">
                 <a:solidFill>
                   <a:schemeClr val="tx1"/>
                 </a:solidFill>
               </a:rPr>
-              <a:t>Preferred solution – Classifying claim-text data</a:t>
-            </a:r>
-            <a:br>
-              <a:rPr lang="en-US" dirty="0">
+              <a:t>Preferred </a:t>
+            </a:r>
+            <a:r>
+              <a:rPr lang="en-US" sz="4400" dirty="0" smtClean="0">
                 <a:solidFill>
                   <a:schemeClr val="tx1"/>
                 </a:solidFill>
-                <a:latin typeface="Segoe UI" panose="020B0502040204020203" pitchFamily="34" charset="0"/>
-              </a:rPr>
-            </a:br>
-            <a:endParaRPr lang="en-US" sz="3236" dirty="0">
+              </a:rPr>
+              <a:t>solution</a:t>
+            </a:r>
+            <a:endParaRPr lang="en-US" sz="4400" dirty="0">
               <a:solidFill>
                 <a:schemeClr val="tx1"/>
               </a:solidFill>
               <a:latin typeface="Segoe UI" panose="020B0502040204020203" pitchFamily="34" charset="0"/>
+            </a:endParaRPr>
+          </a:p>
+        </p:txBody>
+      </p:sp>
+      <p:sp>
+        <p:nvSpPr>
+          <p:cNvPr id="6" name="Title 1"/>
+          <p:cNvSpPr txBox="1">
+            <a:spLocks/>
+          </p:cNvSpPr>
+          <p:nvPr/>
+        </p:nvSpPr>
+        <p:spPr>
+          <a:xfrm>
+            <a:off x="269240" y="1180923"/>
+            <a:ext cx="11655840" cy="899665"/>
+          </a:xfrm>
+          <a:prstGeom prst="rect">
+            <a:avLst/>
+          </a:prstGeom>
+        </p:spPr>
+        <p:txBody>
+          <a:bodyPr vert="horz" wrap="square" lIns="146304" tIns="91440" rIns="146304" bIns="91440" rtlCol="0" anchor="t">
+            <a:noAutofit/>
+          </a:bodyPr>
+          <a:lstStyle>
+            <a:lvl1pPr algn="l" defTabSz="914367" rtl="0" eaLnBrk="1" latinLnBrk="0" hangingPunct="1">
+              <a:lnSpc>
+                <a:spcPct val="90000"/>
+              </a:lnSpc>
+              <a:spcBef>
+                <a:spcPct val="0"/>
+              </a:spcBef>
+              <a:buNone/>
+              <a:defRPr lang="en-US" sz="4705" b="0" kern="1200" cap="none" spc="-100" baseline="0" dirty="0" smtClean="0">
+                <a:ln w="3175">
+                  <a:noFill/>
+                </a:ln>
+                <a:gradFill>
+                  <a:gsLst>
+                    <a:gs pos="1250">
+                      <a:schemeClr val="tx1"/>
+                    </a:gs>
+                    <a:gs pos="100000">
+                      <a:schemeClr val="tx1"/>
+                    </a:gs>
+                  </a:gsLst>
+                  <a:lin ang="5400000" scaled="0"/>
+                </a:gradFill>
+                <a:effectLst/>
+                <a:latin typeface="+mj-lt"/>
+                <a:ea typeface="+mn-ea"/>
+                <a:cs typeface="Segoe UI" pitchFamily="34" charset="0"/>
+              </a:defRPr>
+            </a:lvl1pPr>
+          </a:lstStyle>
+          <a:p>
+            <a:r>
+              <a:rPr lang="en-US" sz="3600" dirty="0" smtClean="0">
+                <a:solidFill>
+                  <a:schemeClr val="tx1"/>
+                </a:solidFill>
+                <a:latin typeface="+mn-lt"/>
+              </a:rPr>
+              <a:t>Classifying claim-text data</a:t>
+            </a:r>
+            <a:endParaRPr lang="en-US" sz="3600" dirty="0">
+              <a:solidFill>
+                <a:schemeClr val="tx1"/>
+              </a:solidFill>
+              <a:latin typeface="+mn-lt"/>
             </a:endParaRPr>
           </a:p>
         </p:txBody>
@@ -17758,8 +18471,8 @@
         </p:nvSpPr>
         <p:spPr>
           <a:xfrm>
-            <a:off x="269239" y="1189177"/>
-            <a:ext cx="11653523" cy="5379312"/>
+            <a:off x="269240" y="2080588"/>
+            <a:ext cx="11653523" cy="751114"/>
           </a:xfrm>
         </p:spPr>
         <p:txBody>
@@ -17772,25 +18485,55 @@
               <a:buNone/>
             </a:pPr>
             <a:r>
+              <a:rPr lang="en-US" sz="2800" dirty="0" err="1" smtClean="0">
+                <a:solidFill>
+                  <a:schemeClr val="tx1"/>
+                </a:solidFill>
+                <a:latin typeface="+mn-lt"/>
+              </a:rPr>
+              <a:t>Psuedo</a:t>
+            </a:r>
+            <a:r>
+              <a:rPr lang="en-US" sz="2800" dirty="0" smtClean="0">
+                <a:solidFill>
+                  <a:schemeClr val="tx1"/>
+                </a:solidFill>
+                <a:latin typeface="+mn-lt"/>
+              </a:rPr>
+              <a:t> </a:t>
+            </a:r>
+            <a:r>
               <a:rPr lang="en-US" sz="2800" dirty="0">
                 <a:solidFill>
                   <a:schemeClr val="tx1"/>
                 </a:solidFill>
-              </a:rPr>
-              <a:t>Psuedo code of network using TFLearn</a:t>
-            </a:r>
-          </a:p>
-          <a:p>
-            <a:pPr marL="0" indent="0">
-              <a:spcAft>
-                <a:spcPts val="882"/>
-              </a:spcAft>
-              <a:buNone/>
-            </a:pPr>
-            <a:endParaRPr lang="en-US" sz="1800" dirty="0">
+                <a:latin typeface="+mn-lt"/>
+              </a:rPr>
+              <a:t>code of network using </a:t>
+            </a:r>
+            <a:r>
+              <a:rPr lang="en-US" sz="2800" dirty="0" err="1" smtClean="0">
+                <a:solidFill>
+                  <a:schemeClr val="tx1"/>
+                </a:solidFill>
+                <a:latin typeface="+mn-lt"/>
+              </a:rPr>
+              <a:t>TFLearn</a:t>
+            </a:r>
+            <a:r>
+              <a:rPr lang="en-US" sz="2800" dirty="0" smtClean="0">
+                <a:solidFill>
+                  <a:schemeClr val="tx1"/>
+                </a:solidFill>
+                <a:latin typeface="+mn-lt"/>
+              </a:rPr>
+              <a:t>:</a:t>
+            </a:r>
+            <a:endParaRPr lang="en-US" sz="2800" dirty="0">
               <a:solidFill>
                 <a:schemeClr val="tx1"/>
               </a:solidFill>
+              <a:latin typeface="+mn-lt"/>
             </a:endParaRPr>
           </a:p>
           <a:p>
@@ -17822,7 +18565,7 @@
         </p:nvSpPr>
         <p:spPr>
           <a:xfrm>
-            <a:off x="870926" y="2186672"/>
+            <a:off x="814180" y="3026288"/>
             <a:ext cx="8965324" cy="2484655"/>
           </a:xfrm>
           <a:prstGeom prst="rect">
@@ -18164,7 +18907,7 @@
         <p:spPr/>
         <p:txBody>
           <a:bodyPr>
-            <a:normAutofit fontScale="90000"/>
+            <a:normAutofit/>
           </a:bodyPr>
           <a:lstStyle/>
           <a:p>
@@ -18174,13 +18917,92 @@
                   <a:schemeClr val="tx1"/>
                 </a:solidFill>
               </a:rPr>
-              <a:t>Preferred solution – Classifying claim-text data</a:t>
+              <a:t>Preferred </a:t>
+            </a:r>
+            <a:r>
+              <a:rPr lang="en-US" sz="4900" dirty="0" smtClean="0">
+                <a:solidFill>
+                  <a:schemeClr val="tx1"/>
+                </a:solidFill>
+              </a:rPr>
+              <a:t>solution</a:t>
             </a:r>
             <a:endParaRPr lang="en-US" sz="3236" dirty="0">
               <a:solidFill>
                 <a:schemeClr val="tx1"/>
               </a:solidFill>
               <a:latin typeface="Segoe UI" panose="020B0502040204020203" pitchFamily="34" charset="0"/>
+            </a:endParaRPr>
+          </a:p>
+        </p:txBody>
+      </p:sp>
+      <p:sp>
+        <p:nvSpPr>
+          <p:cNvPr id="6" name="Title 1"/>
+          <p:cNvSpPr txBox="1">
+            <a:spLocks/>
+          </p:cNvSpPr>
+          <p:nvPr/>
+        </p:nvSpPr>
+        <p:spPr>
+          <a:xfrm>
+            <a:off x="269240" y="1073991"/>
+            <a:ext cx="11655840" cy="899665"/>
+          </a:xfrm>
+          <a:prstGeom prst="rect">
+            <a:avLst/>
+          </a:prstGeom>
+        </p:spPr>
+        <p:txBody>
+          <a:bodyPr vert="horz" wrap="square" lIns="146304" tIns="91440" rIns="146304" bIns="91440" rtlCol="0" anchor="t">
+            <a:noAutofit/>
+          </a:bodyPr>
+          <a:lstStyle>
+            <a:lvl1pPr algn="l" defTabSz="914367" rtl="0" eaLnBrk="1" latinLnBrk="0" hangingPunct="1">
+              <a:lnSpc>
+                <a:spcPct val="90000"/>
+              </a:lnSpc>
+              <a:spcBef>
+                <a:spcPct val="0"/>
+              </a:spcBef>
+              <a:buNone/>
+              <a:defRPr lang="en-US" sz="4705" b="0" kern="1200" cap="none" spc="-100" baseline="0" dirty="0" smtClean="0">
+                <a:ln w="3175">
+                  <a:noFill/>
+                </a:ln>
+                <a:gradFill>
+                  <a:gsLst>
+                    <a:gs pos="1250">
+                      <a:schemeClr val="tx1"/>
+                    </a:gs>
+                    <a:gs pos="100000">
+                      <a:schemeClr val="tx1"/>
+                    </a:gs>
+                  </a:gsLst>
+                  <a:lin ang="5400000" scaled="0"/>
+                </a:gradFill>
+                <a:effectLst/>
+                <a:latin typeface="+mj-lt"/>
+                <a:ea typeface="+mn-ea"/>
+                <a:cs typeface="Segoe UI" pitchFamily="34" charset="0"/>
+              </a:defRPr>
+            </a:lvl1pPr>
+          </a:lstStyle>
+          <a:p>
+            <a:r>
+              <a:rPr lang="en-US" sz="3600" dirty="0" smtClean="0">
+                <a:solidFill>
+                  <a:schemeClr val="tx1"/>
+                </a:solidFill>
+                <a:latin typeface="+mn-lt"/>
+              </a:rPr>
+              <a:t>Classifying claim-text data</a:t>
+            </a:r>
+            <a:endParaRPr lang="en-US" sz="3600" dirty="0">
+              <a:solidFill>
+                <a:schemeClr val="tx1"/>
+              </a:solidFill>
+              <a:latin typeface="+mn-lt"/>
             </a:endParaRPr>
           </a:p>
         </p:txBody>
@@ -18197,8 +19019,8 @@
         </p:nvSpPr>
         <p:spPr>
           <a:xfrm>
-            <a:off x="269239" y="1189177"/>
-            <a:ext cx="11653523" cy="5379312"/>
+            <a:off x="271557" y="1812312"/>
+            <a:ext cx="11653523" cy="615327"/>
           </a:xfrm>
         </p:spPr>
         <p:txBody>
@@ -18216,77 +19038,25 @@
                   <a:schemeClr val="tx1"/>
                 </a:solidFill>
               </a:rPr>
-              <a:t>Psuedo code constructing DNN and fitting model to data using TFLearn</a:t>
-            </a:r>
-          </a:p>
-          <a:p>
-            <a:pPr marL="0" indent="0">
-              <a:spcAft>
-                <a:spcPts val="882"/>
-              </a:spcAft>
-              <a:buNone/>
-            </a:pPr>
-            <a:endParaRPr lang="en-US" sz="1800" dirty="0">
-              <a:solidFill>
-                <a:schemeClr val="tx1"/>
-              </a:solidFill>
-            </a:endParaRPr>
-          </a:p>
-          <a:p>
-            <a:pPr marL="0" indent="0">
-              <a:spcAft>
-                <a:spcPts val="882"/>
-              </a:spcAft>
-              <a:buNone/>
-            </a:pPr>
-            <a:endParaRPr lang="en-US" sz="1800" dirty="0">
-              <a:solidFill>
-                <a:schemeClr val="tx1"/>
-              </a:solidFill>
-            </a:endParaRPr>
-          </a:p>
-          <a:p>
-            <a:pPr marL="0" indent="0">
-              <a:spcAft>
-                <a:spcPts val="882"/>
-              </a:spcAft>
-              <a:buNone/>
-            </a:pPr>
-            <a:endParaRPr lang="en-US" sz="1800" dirty="0">
-              <a:solidFill>
-                <a:schemeClr val="tx1"/>
-              </a:solidFill>
-            </a:endParaRPr>
-          </a:p>
-          <a:p>
-            <a:pPr marL="0" indent="0">
-              <a:buNone/>
-            </a:pPr>
-            <a:r>
-              <a:rPr lang="en-US" sz="2800" dirty="0" err="1">
+              <a:t>Psuedo code constructing DNN and fitting model to data using </a:t>
+            </a:r>
+            <a:r>
+              <a:rPr lang="en-US" sz="2800" dirty="0" err="1" smtClean="0">
                 <a:solidFill>
                   <a:schemeClr val="tx1"/>
                 </a:solidFill>
               </a:rPr>
-              <a:t>Psuedo</a:t>
-            </a:r>
-            <a:r>
-              <a:rPr lang="en-US" sz="2800" dirty="0">
+              <a:t>TFLearn</a:t>
+            </a:r>
+            <a:r>
+              <a:rPr lang="en-US" sz="2800" dirty="0" smtClean="0">
                 <a:solidFill>
                   <a:schemeClr val="tx1"/>
                 </a:solidFill>
               </a:rPr>
-              <a:t> code applying model for prediction using TFLearn and output</a:t>
-            </a:r>
-          </a:p>
-          <a:p>
-            <a:pPr marL="0" indent="0">
-              <a:spcAft>
-                <a:spcPts val="882"/>
-              </a:spcAft>
-              <a:buNone/>
-            </a:pPr>
-            <a:endParaRPr lang="en-US" sz="1800" dirty="0">
+              <a:t>:</a:t>
+            </a:r>
+            <a:endParaRPr lang="en-US" sz="2800" dirty="0">
               <a:solidFill>
                 <a:schemeClr val="tx1"/>
               </a:solidFill>
@@ -18308,8 +19078,8 @@
         </p:nvSpPr>
         <p:spPr>
           <a:xfrm>
-            <a:off x="2249213" y="1938525"/>
-            <a:ext cx="8965324" cy="843693"/>
+            <a:off x="2249213" y="2382524"/>
+            <a:ext cx="8965324" cy="834203"/>
           </a:xfrm>
           <a:prstGeom prst="rect">
             <a:avLst/>
@@ -18331,24 +19101,318 @@
             </a:pPr>
             <a:r>
               <a:rPr lang="en-US" sz="2400" dirty="0">
-                <a:latin typeface="Consolas" panose="020B0609020204030204" pitchFamily="49" charset="0"/>
                 <a:cs typeface="Segoe UI" panose="020B0502040204020203" pitchFamily="34" charset="0"/>
               </a:rPr>
               <a:t>model = tflearn.DNN(net)</a:t>
             </a:r>
             <a:br>
               <a:rPr lang="en-US" sz="2400" dirty="0">
-                <a:latin typeface="Consolas" panose="020B0609020204030204" pitchFamily="49" charset="0"/>
                 <a:cs typeface="Segoe UI" panose="020B0502040204020203" pitchFamily="34" charset="0"/>
               </a:rPr>
             </a:br>
             <a:r>
               <a:rPr lang="en-US" sz="2400" dirty="0">
-                <a:latin typeface="Consolas" panose="020B0609020204030204" pitchFamily="49" charset="0"/>
                 <a:cs typeface="Segoe UI" panose="020B0502040204020203" pitchFamily="34" charset="0"/>
               </a:rPr>
               <a:t>model.fit(data, labels, …)</a:t>
             </a:r>
+          </a:p>
+        </p:txBody>
+      </p:sp>
+      <p:sp>
+        <p:nvSpPr>
+          <p:cNvPr id="7" name="Content Placeholder 2"/>
+          <p:cNvSpPr txBox="1">
+            <a:spLocks/>
+          </p:cNvSpPr>
+          <p:nvPr/>
+        </p:nvSpPr>
+        <p:spPr>
+          <a:xfrm>
+            <a:off x="538476" y="3496949"/>
+            <a:ext cx="11653523" cy="563423"/>
+          </a:xfrm>
+          <a:prstGeom prst="rect">
+            <a:avLst/>
+          </a:prstGeom>
+        </p:spPr>
+        <p:txBody>
+          <a:bodyPr vert="horz" wrap="square" lIns="146304" tIns="91440" rIns="146304" bIns="91440" rtlCol="0">
+            <a:noAutofit/>
+          </a:bodyPr>
+          <a:lstStyle>
+            <a:lvl1pPr marL="336145" marR="0" indent="-336145" algn="l" defTabSz="914367" rtl="0" eaLnBrk="1" fontAlgn="auto" latinLnBrk="0" hangingPunct="1">
+              <a:lnSpc>
+                <a:spcPct val="90000"/>
+              </a:lnSpc>
+              <a:spcBef>
+                <a:spcPct val="20000"/>
+              </a:spcBef>
+              <a:spcAft>
+                <a:spcPts val="0"/>
+              </a:spcAft>
+              <a:buClrTx/>
+              <a:buSzPct val="90000"/>
+              <a:buFont typeface="Arial" pitchFamily="34" charset="0"/>
+              <a:buChar char="•"/>
+              <a:tabLst/>
+              <a:defRPr sz="3921" kern="1200" spc="0" baseline="0">
+                <a:gradFill>
+                  <a:gsLst>
+                    <a:gs pos="1250">
+                      <a:schemeClr val="tx1"/>
+                    </a:gs>
+                    <a:gs pos="100000">
+                      <a:schemeClr val="tx1"/>
+                    </a:gs>
+                  </a:gsLst>
+                  <a:lin ang="5400000" scaled="0"/>
+                </a:gradFill>
+                <a:latin typeface="+mj-lt"/>
+                <a:ea typeface="+mn-ea"/>
+                <a:cs typeface="+mn-cs"/>
+              </a:defRPr>
+            </a:lvl1pPr>
+            <a:lvl2pPr marL="572691" marR="0" indent="-236546" algn="l" defTabSz="914367" rtl="0" eaLnBrk="1" fontAlgn="auto" latinLnBrk="0" hangingPunct="1">
+              <a:lnSpc>
+                <a:spcPct val="90000"/>
+              </a:lnSpc>
+              <a:spcBef>
+                <a:spcPct val="20000"/>
+              </a:spcBef>
+              <a:spcAft>
+                <a:spcPts val="0"/>
+              </a:spcAft>
+              <a:buClrTx/>
+              <a:buSzPct val="90000"/>
+              <a:buFont typeface="Arial" pitchFamily="34" charset="0"/>
+              <a:buChar char="•"/>
+              <a:tabLst/>
+              <a:defRPr sz="2353" kern="1200" spc="0" baseline="0">
+                <a:gradFill>
+                  <a:gsLst>
+                    <a:gs pos="1250">
+                      <a:schemeClr val="tx1"/>
+                    </a:gs>
+                    <a:gs pos="100000">
+                      <a:schemeClr val="tx1"/>
+                    </a:gs>
+                  </a:gsLst>
+                  <a:lin ang="5400000" scaled="0"/>
+                </a:gradFill>
+                <a:latin typeface="+mn-lt"/>
+                <a:ea typeface="+mn-ea"/>
+                <a:cs typeface="+mn-cs"/>
+              </a:defRPr>
+            </a:lvl2pPr>
+            <a:lvl3pPr marL="784338" marR="0" indent="-224097" algn="l" defTabSz="914367" rtl="0" eaLnBrk="1" fontAlgn="auto" latinLnBrk="0" hangingPunct="1">
+              <a:lnSpc>
+                <a:spcPct val="90000"/>
+              </a:lnSpc>
+              <a:spcBef>
+                <a:spcPct val="20000"/>
+              </a:spcBef>
+              <a:spcAft>
+                <a:spcPts val="0"/>
+              </a:spcAft>
+              <a:buClrTx/>
+              <a:buSzPct val="90000"/>
+              <a:buFont typeface="Arial" pitchFamily="34" charset="0"/>
+              <a:buChar char="•"/>
+              <a:tabLst/>
+              <a:defRPr sz="1961" kern="1200" spc="0" baseline="0">
+                <a:gradFill>
+                  <a:gsLst>
+                    <a:gs pos="1250">
+                      <a:schemeClr val="tx1"/>
+                    </a:gs>
+                    <a:gs pos="100000">
+                      <a:schemeClr val="tx1"/>
+                    </a:gs>
+                  </a:gsLst>
+                  <a:lin ang="5400000" scaled="0"/>
+                </a:gradFill>
+                <a:latin typeface="+mn-lt"/>
+                <a:ea typeface="+mn-ea"/>
+                <a:cs typeface="+mn-cs"/>
+              </a:defRPr>
+            </a:lvl3pPr>
+            <a:lvl4pPr marL="1008435" marR="0" indent="-224097" algn="l" defTabSz="914367" rtl="0" eaLnBrk="1" fontAlgn="auto" latinLnBrk="0" hangingPunct="1">
+              <a:lnSpc>
+                <a:spcPct val="90000"/>
+              </a:lnSpc>
+              <a:spcBef>
+                <a:spcPct val="20000"/>
+              </a:spcBef>
+              <a:spcAft>
+                <a:spcPts val="0"/>
+              </a:spcAft>
+              <a:buClrTx/>
+              <a:buSzPct val="90000"/>
+              <a:buFont typeface="Arial" pitchFamily="34" charset="0"/>
+              <a:buChar char="•"/>
+              <a:tabLst/>
+              <a:defRPr sz="1765" kern="1200" spc="0" baseline="0">
+                <a:gradFill>
+                  <a:gsLst>
+                    <a:gs pos="1250">
+                      <a:schemeClr val="tx1"/>
+                    </a:gs>
+                    <a:gs pos="100000">
+                      <a:schemeClr val="tx1"/>
+                    </a:gs>
+                  </a:gsLst>
+                  <a:lin ang="5400000" scaled="0"/>
+                </a:gradFill>
+                <a:latin typeface="+mn-lt"/>
+                <a:ea typeface="+mn-ea"/>
+                <a:cs typeface="+mn-cs"/>
+              </a:defRPr>
+            </a:lvl4pPr>
+            <a:lvl5pPr marL="1232531" marR="0" indent="-224097" algn="l" defTabSz="914367" rtl="0" eaLnBrk="1" fontAlgn="auto" latinLnBrk="0" hangingPunct="1">
+              <a:lnSpc>
+                <a:spcPct val="90000"/>
+              </a:lnSpc>
+              <a:spcBef>
+                <a:spcPct val="20000"/>
+              </a:spcBef>
+              <a:spcAft>
+                <a:spcPts val="0"/>
+              </a:spcAft>
+              <a:buClrTx/>
+              <a:buSzPct val="90000"/>
+              <a:buFont typeface="Arial" pitchFamily="34" charset="0"/>
+              <a:buChar char="•"/>
+              <a:tabLst/>
+              <a:defRPr sz="1765" kern="1200" spc="0" baseline="0">
+                <a:gradFill>
+                  <a:gsLst>
+                    <a:gs pos="1250">
+                      <a:schemeClr val="tx1"/>
+                    </a:gs>
+                    <a:gs pos="100000">
+                      <a:schemeClr val="tx1"/>
+                    </a:gs>
+                  </a:gsLst>
+                  <a:lin ang="5400000" scaled="0"/>
+                </a:gradFill>
+                <a:latin typeface="+mn-lt"/>
+                <a:ea typeface="+mn-ea"/>
+                <a:cs typeface="+mn-cs"/>
+              </a:defRPr>
+            </a:lvl5pPr>
+            <a:lvl6pPr marL="2514509" indent="-228592" algn="l" defTabSz="914367" rtl="0" eaLnBrk="1" latinLnBrk="0" hangingPunct="1">
+              <a:spcBef>
+                <a:spcPct val="20000"/>
+              </a:spcBef>
+              <a:buFont typeface="Arial" pitchFamily="34" charset="0"/>
+              <a:buChar char="•"/>
+              <a:defRPr sz="1961" kern="1200">
+                <a:solidFill>
+                  <a:schemeClr val="tx1"/>
+                </a:solidFill>
+                <a:latin typeface="+mn-lt"/>
+                <a:ea typeface="+mn-ea"/>
+                <a:cs typeface="+mn-cs"/>
+              </a:defRPr>
+            </a:lvl6pPr>
+            <a:lvl7pPr marL="2971693" indent="-228592" algn="l" defTabSz="914367" rtl="0" eaLnBrk="1" latinLnBrk="0" hangingPunct="1">
+              <a:spcBef>
+                <a:spcPct val="20000"/>
+              </a:spcBef>
+              <a:buFont typeface="Arial" pitchFamily="34" charset="0"/>
+              <a:buChar char="•"/>
+              <a:defRPr sz="1961" kern="1200">
+                <a:solidFill>
+                  <a:schemeClr val="tx1"/>
+                </a:solidFill>
+                <a:latin typeface="+mn-lt"/>
+                <a:ea typeface="+mn-ea"/>
+                <a:cs typeface="+mn-cs"/>
+              </a:defRPr>
+            </a:lvl7pPr>
+            <a:lvl8pPr marL="3428877" indent="-228592" algn="l" defTabSz="914367" rtl="0" eaLnBrk="1" latinLnBrk="0" hangingPunct="1">
+              <a:spcBef>
+                <a:spcPct val="20000"/>
+              </a:spcBef>
+              <a:buFont typeface="Arial" pitchFamily="34" charset="0"/>
+              <a:buChar char="•"/>
+              <a:defRPr sz="1961" kern="1200">
+                <a:solidFill>
+                  <a:schemeClr val="tx1"/>
+                </a:solidFill>
+                <a:latin typeface="+mn-lt"/>
+                <a:ea typeface="+mn-ea"/>
+                <a:cs typeface="+mn-cs"/>
+              </a:defRPr>
+            </a:lvl8pPr>
+            <a:lvl9pPr marL="3886061" indent="-228592" algn="l" defTabSz="914367" rtl="0" eaLnBrk="1" latinLnBrk="0" hangingPunct="1">
+              <a:spcBef>
+                <a:spcPct val="20000"/>
+              </a:spcBef>
+              <a:buFont typeface="Arial" pitchFamily="34" charset="0"/>
+              <a:buChar char="•"/>
+              <a:defRPr sz="1961" kern="1200">
+                <a:solidFill>
+                  <a:schemeClr val="tx1"/>
+                </a:solidFill>
+                <a:latin typeface="+mn-lt"/>
+                <a:ea typeface="+mn-ea"/>
+                <a:cs typeface="+mn-cs"/>
+              </a:defRPr>
+            </a:lvl9pPr>
+          </a:lstStyle>
+          <a:p>
+            <a:pPr marL="0" indent="0">
+              <a:buFont typeface="Arial" pitchFamily="34" charset="0"/>
+              <a:buNone/>
+            </a:pPr>
+            <a:r>
+              <a:rPr lang="en-US" sz="2800" dirty="0" err="1" smtClean="0">
+                <a:solidFill>
+                  <a:schemeClr val="tx1"/>
+                </a:solidFill>
+              </a:rPr>
+              <a:t>Psuedo</a:t>
+            </a:r>
+            <a:r>
+              <a:rPr lang="en-US" sz="2800" dirty="0" smtClean="0">
+                <a:solidFill>
+                  <a:schemeClr val="tx1"/>
+                </a:solidFill>
+              </a:rPr>
+              <a:t> code applying model for prediction using </a:t>
+            </a:r>
+            <a:r>
+              <a:rPr lang="en-US" sz="2800" dirty="0" err="1" smtClean="0">
+                <a:solidFill>
+                  <a:schemeClr val="tx1"/>
+                </a:solidFill>
+              </a:rPr>
+              <a:t>TFLearn</a:t>
+            </a:r>
+            <a:r>
+              <a:rPr lang="en-US" sz="2800" dirty="0" smtClean="0">
+                <a:solidFill>
+                  <a:schemeClr val="tx1"/>
+                </a:solidFill>
+              </a:rPr>
+              <a:t> and output:</a:t>
+            </a:r>
+          </a:p>
+          <a:p>
+            <a:pPr marL="0" indent="0">
+              <a:spcAft>
+                <a:spcPts val="882"/>
+              </a:spcAft>
+              <a:buFont typeface="Arial" pitchFamily="34" charset="0"/>
+              <a:buNone/>
+            </a:pPr>
+            <a:endParaRPr lang="en-US" sz="2800" dirty="0">
+              <a:solidFill>
+                <a:schemeClr val="tx1"/>
+              </a:solidFill>
+            </a:endParaRPr>
           </a:p>
         </p:txBody>
       </p:sp>
@@ -18366,8 +19430,8 @@
         </p:nvSpPr>
         <p:spPr>
           <a:xfrm>
-            <a:off x="2249213" y="3493892"/>
-            <a:ext cx="8965324" cy="3102131"/>
+            <a:off x="2249213" y="4060372"/>
+            <a:ext cx="8965324" cy="2732799"/>
           </a:xfrm>
           <a:prstGeom prst="rect">
             <a:avLst/>
@@ -18392,20 +19456,17 @@
             </a:pPr>
             <a:r>
               <a:rPr lang="en-US" sz="2400" dirty="0">
-                <a:latin typeface="Consolas" panose="020B0609020204030204" pitchFamily="49" charset="0"/>
                 <a:cs typeface="Segoe UI" panose="020B0502040204020203" pitchFamily="34" charset="0"/>
               </a:rPr>
               <a:t>test_claim = ['I crashed my car into a pole.’]</a:t>
             </a:r>
             <a:br>
               <a:rPr lang="en-US" sz="2400" dirty="0">
-                <a:latin typeface="Consolas" panose="020B0609020204030204" pitchFamily="49" charset="0"/>
                 <a:cs typeface="Segoe UI" panose="020B0502040204020203" pitchFamily="34" charset="0"/>
               </a:rPr>
             </a:br>
             <a:r>
               <a:rPr lang="en-US" sz="2400" dirty="0">
-                <a:latin typeface="Consolas" panose="020B0609020204030204" pitchFamily="49" charset="0"/>
                 <a:cs typeface="Segoe UI" panose="020B0502040204020203" pitchFamily="34" charset="0"/>
               </a:rPr>
               <a:t>test_claim = normalize_text(test_claim)</a:t>
@@ -18415,7 +19476,6 @@
           <a:p>
             <a:r>
               <a:rPr lang="en-US" sz="2400" dirty="0">
-                <a:latin typeface="Consolas" panose="020B0609020204030204" pitchFamily="49" charset="0"/>
                 <a:ea typeface="Segoe UI" panose="020B0502040204020203" pitchFamily="34" charset="0"/>
                 <a:cs typeface="Segoe UI" panose="020B0502040204020203" pitchFamily="34" charset="0"/>
               </a:rPr>
@@ -18423,14 +19483,12 @@
             </a:r>
             <a:br>
               <a:rPr lang="en-US" sz="2400" dirty="0">
-                <a:latin typeface="Consolas" panose="020B0609020204030204" pitchFamily="49" charset="0"/>
                 <a:ea typeface="Segoe UI" panose="020B0502040204020203" pitchFamily="34" charset="0"/>
                 <a:cs typeface="Segoe UI" panose="020B0502040204020203" pitchFamily="34" charset="0"/>
               </a:rPr>
             </a:br>
             <a:r>
               <a:rPr lang="en-US" sz="2400" dirty="0">
-                <a:latin typeface="Consolas" panose="020B0609020204030204" pitchFamily="49" charset="0"/>
                 <a:ea typeface="Segoe UI" panose="020B0502040204020203" pitchFamily="34" charset="0"/>
                 <a:cs typeface="Segoe UI" panose="020B0502040204020203" pitchFamily="34" charset="0"/>
               </a:rPr>
@@ -18438,21 +19496,25 @@
             </a:r>
             <a:br>
               <a:rPr lang="en-US" sz="2400" dirty="0">
-                <a:latin typeface="Consolas" panose="020B0609020204030204" pitchFamily="49" charset="0"/>
                 <a:ea typeface="Segoe UI" panose="020B0502040204020203" pitchFamily="34" charset="0"/>
                 <a:cs typeface="Segoe UI" panose="020B0502040204020203" pitchFamily="34" charset="0"/>
               </a:rPr>
             </a:br>
-            <a:br>
-              <a:rPr lang="en-US" sz="2400" dirty="0">
-                <a:latin typeface="Consolas" panose="020B0609020204030204" pitchFamily="49" charset="0"/>
+            <a:r>
+              <a:rPr lang="en-US" dirty="0">
                 <a:ea typeface="Segoe UI" panose="020B0502040204020203" pitchFamily="34" charset="0"/>
                 <a:cs typeface="Segoe UI" panose="020B0502040204020203" pitchFamily="34" charset="0"/>
               </a:rPr>
+              <a:t/>
+            </a:r>
+            <a:br>
+              <a:rPr lang="en-US" dirty="0">
+                <a:ea typeface="Segoe UI" panose="020B0502040204020203" pitchFamily="34" charset="0"/>
+                <a:cs typeface="Segoe UI" panose="020B0502040204020203" pitchFamily="34" charset="0"/>
+              </a:rPr>
             </a:br>
             <a:r>
               <a:rPr lang="en-US" sz="2400" dirty="0">
-                <a:latin typeface="Consolas" panose="020B0609020204030204" pitchFamily="49" charset="0"/>
                 <a:ea typeface="Segoe UI" panose="020B0502040204020203" pitchFamily="34" charset="0"/>
                 <a:cs typeface="Segoe UI" panose="020B0502040204020203" pitchFamily="34" charset="0"/>
                 <a:sym typeface="Wingdings" panose="05000000000000000000" pitchFamily="2" charset="2"/>
@@ -18461,20 +19523,17 @@
             </a:r>
             <a:r>
               <a:rPr lang="en-US" sz="2400" dirty="0">
-                <a:latin typeface="Consolas" panose="020B0609020204030204" pitchFamily="49" charset="0"/>
                 <a:cs typeface="Segoe UI" panose="020B0502040204020203" pitchFamily="34" charset="0"/>
               </a:rPr>
               <a:t>array([ [0.22, 0.78] ]) </a:t>
             </a:r>
             <a:br>
               <a:rPr lang="en-US" sz="2400" dirty="0">
-                <a:latin typeface="Consolas" panose="020B0609020204030204" pitchFamily="49" charset="0"/>
                 <a:cs typeface="Segoe UI" panose="020B0502040204020203" pitchFamily="34" charset="0"/>
               </a:rPr>
             </a:br>
             <a:r>
               <a:rPr lang="en-US" sz="2400" dirty="0">
-                <a:latin typeface="Consolas" panose="020B0609020204030204" pitchFamily="49" charset="0"/>
                 <a:cs typeface="Segoe UI" panose="020B0502040204020203" pitchFamily="34" charset="0"/>
               </a:rPr>
               <a:t># predicts class 1 (column 1 of data) with confidence of 78%</a:t>
@@ -18543,7 +19602,24 @@
                   <a:schemeClr val="tx1"/>
                 </a:solidFill>
               </a:rPr>
-              <a:t>Preferred solution – Classifying claim-text data</a:t>
+              <a:t>Preferred </a:t>
+            </a:r>
+            <a:r>
+              <a:rPr lang="en-US" sz="4900" dirty="0" smtClean="0">
+                <a:solidFill>
+                  <a:schemeClr val="tx1"/>
+                </a:solidFill>
+              </a:rPr>
+              <a:t>solution</a:t>
+            </a:r>
+            <a:r>
+              <a:rPr lang="en-US" dirty="0">
+                <a:solidFill>
+                  <a:schemeClr val="tx1"/>
+                </a:solidFill>
+                <a:latin typeface="Segoe UI" panose="020B0502040204020203" pitchFamily="34" charset="0"/>
+              </a:rPr>
+              <a:t/>
             </a:r>
             <a:br>
               <a:rPr lang="en-US" dirty="0">
@@ -18558,6 +19634,77 @@
                 <a:schemeClr val="tx1"/>
               </a:solidFill>
               <a:latin typeface="Segoe UI" panose="020B0502040204020203" pitchFamily="34" charset="0"/>
+            </a:endParaRPr>
+          </a:p>
+        </p:txBody>
+      </p:sp>
+      <p:sp>
+        <p:nvSpPr>
+          <p:cNvPr id="4" name="Title 1"/>
+          <p:cNvSpPr txBox="1">
+            <a:spLocks/>
+          </p:cNvSpPr>
+          <p:nvPr/>
+        </p:nvSpPr>
+        <p:spPr>
+          <a:xfrm>
+            <a:off x="269240" y="1073991"/>
+            <a:ext cx="11655840" cy="899665"/>
+          </a:xfrm>
+          <a:prstGeom prst="rect">
+            <a:avLst/>
+          </a:prstGeom>
+        </p:spPr>
+        <p:txBody>
+          <a:bodyPr vert="horz" wrap="square" lIns="146304" tIns="91440" rIns="146304" bIns="91440" rtlCol="0" anchor="t">
+            <a:noAutofit/>
+          </a:bodyPr>
+          <a:lstStyle>
+            <a:lvl1pPr algn="l" defTabSz="914367" rtl="0" eaLnBrk="1" latinLnBrk="0" hangingPunct="1">
+              <a:lnSpc>
+                <a:spcPct val="90000"/>
+              </a:lnSpc>
+              <a:spcBef>
+                <a:spcPct val="0"/>
+              </a:spcBef>
+              <a:buNone/>
+              <a:defRPr lang="en-US" sz="4705" b="0" kern="1200" cap="none" spc="-100" baseline="0" dirty="0" smtClean="0">
+                <a:ln w="3175">
+                  <a:noFill/>
+                </a:ln>
+                <a:gradFill>
+                  <a:gsLst>
+                    <a:gs pos="1250">
+                      <a:schemeClr val="tx1"/>
+                    </a:gs>
+                    <a:gs pos="100000">
+                      <a:schemeClr val="tx1"/>
+                    </a:gs>
+                  </a:gsLst>
+                  <a:lin ang="5400000" scaled="0"/>
+                </a:gradFill>
+                <a:effectLst/>
+                <a:latin typeface="+mj-lt"/>
+                <a:ea typeface="+mn-ea"/>
+                <a:cs typeface="Segoe UI" pitchFamily="34" charset="0"/>
+              </a:defRPr>
+            </a:lvl1pPr>
+          </a:lstStyle>
+          <a:p>
+            <a:r>
+              <a:rPr lang="en-US" sz="3600" dirty="0" smtClean="0">
+                <a:solidFill>
+                  <a:schemeClr val="tx1"/>
+                </a:solidFill>
+                <a:latin typeface="+mn-lt"/>
+              </a:rPr>
+              <a:t>Classifying claim-text data</a:t>
+            </a:r>
+            <a:endParaRPr lang="en-US" sz="3600" dirty="0">
+              <a:solidFill>
+                <a:schemeClr val="tx1"/>
+              </a:solidFill>
+              <a:latin typeface="+mn-lt"/>
             </a:endParaRPr>
           </a:p>
         </p:txBody>
@@ -18574,7 +19721,7 @@
         </p:nvSpPr>
         <p:spPr>
           <a:xfrm>
-            <a:off x="269239" y="1189177"/>
+            <a:off x="269240" y="1798778"/>
             <a:ext cx="11653523" cy="5379312"/>
           </a:xfrm>
         </p:spPr>
@@ -18588,7 +19735,7 @@
               <a:buNone/>
             </a:pPr>
             <a:r>
-              <a:rPr lang="en-US" sz="2800" dirty="0"/>
+              <a:rPr lang="en-US" sz="2400" dirty="0"/>
               <a:t>Describe at a high level, how you would deploy this trained model so it is available as a web service that can be integrated with the rest of the solution. What Azure Service(s) would be involved?</a:t>
             </a:r>
           </a:p>
@@ -18596,7 +19743,7 @@
             <a:pPr marL="0" indent="0">
               <a:buNone/>
             </a:pPr>
-            <a:endParaRPr lang="en-US" sz="2800" dirty="0"/>
+            <a:endParaRPr lang="en-US" sz="1800" dirty="0"/>
           </a:p>
           <a:p>
             <a:pPr marL="0" indent="0">
@@ -18611,54 +19758,77 @@
               </a:rPr>
               <a:t>The trained model is saved to a file. </a:t>
             </a:r>
-          </a:p>
-          <a:p>
-            <a:r>
-              <a:rPr lang="en-US" sz="2400" dirty="0">
+            <a:r>
+              <a:rPr lang="en-US" sz="2400" dirty="0" smtClean="0">
                 <a:solidFill>
                   <a:schemeClr val="tx1"/>
                 </a:solidFill>
                 <a:latin typeface="+mn-lt"/>
               </a:rPr>
-              <a:t>This file is loaded by web service code that re-creates the DNN and loads the model weights. </a:t>
-            </a:r>
-          </a:p>
-          <a:p>
-            <a:r>
-              <a:rPr lang="en-US" sz="2400" dirty="0">
+              <a:t/>
+            </a:r>
+            <a:br>
+              <a:rPr lang="en-US" sz="2400" dirty="0" smtClean="0">
                 <a:solidFill>
                   <a:schemeClr val="tx1"/>
                 </a:solidFill>
                 <a:latin typeface="+mn-lt"/>
               </a:rPr>
-              <a:t>The web service code can then run classifications using the model. </a:t>
-            </a:r>
-          </a:p>
-          <a:p>
-            <a:r>
-              <a:rPr lang="en-US" sz="2400" dirty="0">
+            </a:br>
+            <a:endParaRPr lang="en-US" sz="1800" dirty="0">
+              <a:solidFill>
+                <a:schemeClr val="tx1"/>
+              </a:solidFill>
+              <a:latin typeface="+mn-lt"/>
+            </a:endParaRPr>
+          </a:p>
+          <a:p>
+            <a:r>
+              <a:rPr lang="en-US" sz="2200" dirty="0">
                 <a:solidFill>
                   <a:schemeClr val="tx1"/>
                 </a:solidFill>
                 <a:latin typeface="+mn-lt"/>
               </a:rPr>
-              <a:t>Any text provided to the web service for classification must still be processed by the normalize and extract_features routines as was done when training the model. </a:t>
-            </a:r>
-          </a:p>
-          <a:p>
-            <a:r>
-              <a:rPr lang="en-US" sz="2400" dirty="0">
+              <a:t>This file is loaded by web service code that re-creates the DNN and loads the model weights. </a:t>
+            </a:r>
+          </a:p>
+          <a:p>
+            <a:r>
+              <a:rPr lang="en-US" sz="2200" dirty="0">
                 <a:solidFill>
                   <a:schemeClr val="tx1"/>
                 </a:solidFill>
                 <a:latin typeface="+mn-lt"/>
               </a:rPr>
+              <a:t>The web service code can then run classifications using the model. </a:t>
+            </a:r>
+          </a:p>
+          <a:p>
+            <a:r>
+              <a:rPr lang="en-US" sz="2200" dirty="0">
+                <a:solidFill>
+                  <a:schemeClr val="tx1"/>
+                </a:solidFill>
+                <a:latin typeface="+mn-lt"/>
+              </a:rPr>
+              <a:t>Any text provided to the web service for classification must still be processed by the normalize and extract_features routines as was done when training the model. </a:t>
+            </a:r>
+          </a:p>
+          <a:p>
+            <a:r>
+              <a:rPr lang="en-US" sz="2200" dirty="0">
+                <a:solidFill>
+                  <a:schemeClr val="tx1"/>
+                </a:solidFill>
+                <a:latin typeface="+mn-lt"/>
+              </a:rPr>
               <a:t>Deploy this service using Azure Machine Learning service. </a:t>
             </a:r>
           </a:p>
           <a:p>
             <a:r>
-              <a:rPr lang="en-US" sz="2400" dirty="0">
+              <a:rPr lang="en-US" sz="2200" dirty="0">
                 <a:solidFill>
                   <a:schemeClr val="tx1"/>
                 </a:solidFill>
@@ -18759,7 +19929,7 @@
         <p:spPr/>
         <p:txBody>
           <a:bodyPr>
-            <a:normAutofit fontScale="90000"/>
+            <a:normAutofit/>
           </a:bodyPr>
           <a:lstStyle/>
           <a:p>
@@ -18769,13 +19939,92 @@
                   <a:schemeClr val="tx1"/>
                 </a:solidFill>
               </a:rPr>
-              <a:t>Preferred solution – Identifying free-text sentiment</a:t>
+              <a:t>Preferred </a:t>
+            </a:r>
+            <a:r>
+              <a:rPr lang="en-US" sz="4900" dirty="0" smtClean="0">
+                <a:solidFill>
+                  <a:schemeClr val="tx1"/>
+                </a:solidFill>
+              </a:rPr>
+              <a:t>solution</a:t>
             </a:r>
             <a:endParaRPr lang="en-US" sz="3236" dirty="0">
               <a:solidFill>
                 <a:schemeClr val="tx1"/>
               </a:solidFill>
               <a:latin typeface="Segoe UI" panose="020B0502040204020203" pitchFamily="34" charset="0"/>
+            </a:endParaRPr>
+          </a:p>
+        </p:txBody>
+      </p:sp>
+      <p:sp>
+        <p:nvSpPr>
+          <p:cNvPr id="4" name="Title 1"/>
+          <p:cNvSpPr txBox="1">
+            <a:spLocks/>
+          </p:cNvSpPr>
+          <p:nvPr/>
+        </p:nvSpPr>
+        <p:spPr>
+          <a:xfrm>
+            <a:off x="269240" y="1073991"/>
+            <a:ext cx="11655840" cy="899665"/>
+          </a:xfrm>
+          <a:prstGeom prst="rect">
+            <a:avLst/>
+          </a:prstGeom>
+        </p:spPr>
+        <p:txBody>
+          <a:bodyPr vert="horz" wrap="square" lIns="146304" tIns="91440" rIns="146304" bIns="91440" rtlCol="0" anchor="t">
+            <a:noAutofit/>
+          </a:bodyPr>
+          <a:lstStyle>
+            <a:lvl1pPr algn="l" defTabSz="914367" rtl="0" eaLnBrk="1" latinLnBrk="0" hangingPunct="1">
+              <a:lnSpc>
+                <a:spcPct val="90000"/>
+              </a:lnSpc>
+              <a:spcBef>
+                <a:spcPct val="0"/>
+              </a:spcBef>
+              <a:buNone/>
+              <a:defRPr lang="en-US" sz="4705" b="0" kern="1200" cap="none" spc="-100" baseline="0" dirty="0" smtClean="0">
+                <a:ln w="3175">
+                  <a:noFill/>
+                </a:ln>
+                <a:gradFill>
+                  <a:gsLst>
+                    <a:gs pos="1250">
+                      <a:schemeClr val="tx1"/>
+                    </a:gs>
+                    <a:gs pos="100000">
+                      <a:schemeClr val="tx1"/>
+                    </a:gs>
+                  </a:gsLst>
+                  <a:lin ang="5400000" scaled="0"/>
+                </a:gradFill>
+                <a:effectLst/>
+                <a:latin typeface="+mj-lt"/>
+                <a:ea typeface="+mn-ea"/>
+                <a:cs typeface="Segoe UI" pitchFamily="34" charset="0"/>
+              </a:defRPr>
+            </a:lvl1pPr>
+          </a:lstStyle>
+          <a:p>
+            <a:r>
+              <a:rPr lang="en-US" sz="3600" dirty="0" smtClean="0">
+                <a:solidFill>
+                  <a:schemeClr val="tx1"/>
+                </a:solidFill>
+                <a:latin typeface="+mn-lt"/>
+              </a:rPr>
+              <a:t>Identifying free-text sentiment</a:t>
+            </a:r>
+            <a:endParaRPr lang="en-US" sz="3600" dirty="0">
+              <a:solidFill>
+                <a:schemeClr val="tx1"/>
+              </a:solidFill>
+              <a:latin typeface="+mn-lt"/>
             </a:endParaRPr>
           </a:p>
         </p:txBody>
@@ -18792,8 +20041,8 @@
         </p:nvSpPr>
         <p:spPr>
           <a:xfrm>
-            <a:off x="269239" y="1189177"/>
-            <a:ext cx="11653523" cy="5379312"/>
+            <a:off x="269240" y="1689920"/>
+            <a:ext cx="11781246" cy="5379312"/>
           </a:xfrm>
         </p:spPr>
         <p:txBody>
@@ -18806,35 +20055,67 @@
               <a:buNone/>
             </a:pPr>
             <a:r>
-              <a:rPr lang="en-US" sz="2800" dirty="0"/>
-              <a:t>How would you recommend Contoso identify the sentiment in the free-response text provided associated with a claim? Would this require you to build a custom AI model is there a pre-built AI service you could use?</a:t>
-            </a:r>
-          </a:p>
-          <a:p>
+              <a:rPr lang="en-US" sz="2400" dirty="0"/>
+              <a:t>How would you recommend Contoso identify the sentiment in the free-response text provided associated with a claim? Would this require you to build a custom AI model is there a pre-built AI service you could use</a:t>
+            </a:r>
+            <a:r>
+              <a:rPr lang="en-US" sz="2400" dirty="0" smtClean="0"/>
+              <a:t>?</a:t>
+            </a:r>
+            <a:r>
+              <a:rPr lang="en-US" sz="2400" dirty="0" smtClean="0">
+                <a:latin typeface="+mn-lt"/>
+              </a:rPr>
+              <a:t/>
+            </a:r>
+            <a:br>
+              <a:rPr lang="en-US" sz="2400" dirty="0" smtClean="0">
+                <a:latin typeface="+mn-lt"/>
+              </a:rPr>
+            </a:br>
+            <a:endParaRPr lang="en-US" sz="1800" dirty="0">
+              <a:latin typeface="+mn-lt"/>
+            </a:endParaRPr>
+          </a:p>
+          <a:p>
+            <a:r>
+              <a:rPr lang="en-US" sz="2200" dirty="0">
+                <a:latin typeface="+mn-lt"/>
+              </a:rPr>
+              <a:t>Use the Text Analytics API from Cognitive Services for scoring the sentiment of the claim </a:t>
+            </a:r>
+            <a:r>
+              <a:rPr lang="en-US" sz="2200" dirty="0" smtClean="0">
+                <a:latin typeface="+mn-lt"/>
+              </a:rPr>
+              <a:t>text </a:t>
+            </a:r>
+            <a:endParaRPr lang="en-US" sz="2200" dirty="0">
+              <a:latin typeface="+mn-lt"/>
+            </a:endParaRPr>
+          </a:p>
+          <a:p>
+            <a:r>
+              <a:rPr lang="en-US" sz="2200" dirty="0">
+                <a:latin typeface="+mn-lt"/>
+              </a:rPr>
+              <a:t>By doing so, they would not have to build or train a custom model, nor have the requirement of having the data to do </a:t>
+            </a:r>
+            <a:r>
+              <a:rPr lang="en-US" sz="2200" dirty="0" smtClean="0">
+                <a:latin typeface="+mn-lt"/>
+              </a:rPr>
+              <a:t>so</a:t>
+            </a:r>
             <a:r>
               <a:rPr lang="en-US" sz="2400" dirty="0">
                 <a:latin typeface="+mn-lt"/>
               </a:rPr>
-              <a:t>Use the Text Analytics API from Cognitive Services for scoring the sentiment of the claim text. </a:t>
-            </a:r>
-          </a:p>
-          <a:p>
-            <a:r>
-              <a:rPr lang="en-US" sz="2400" dirty="0">
-                <a:latin typeface="+mn-lt"/>
-              </a:rPr>
-              <a:t>By doing so, they would not have to build or train a custom model, nor have the requirement of having the data to do so.</a:t>
+              <a:t/>
             </a:r>
             <a:br>
               <a:rPr lang="en-US" sz="2400" dirty="0">
                 <a:latin typeface="+mn-lt"/>
-              </a:rPr>
-            </a:br>
-            <a:br>
-              <a:rPr lang="en-US" sz="2400" dirty="0">
-                <a:solidFill>
-                  <a:schemeClr val="tx1"/>
-                </a:solidFill>
               </a:rPr>
             </a:br>
             <a:endParaRPr lang="en-US" sz="2400" dirty="0">
@@ -18848,36 +20129,45 @@
               <a:buNone/>
             </a:pPr>
             <a:r>
-              <a:rPr lang="en-US" sz="2800" dirty="0"/>
+              <a:rPr lang="en-US" sz="2400" dirty="0"/>
               <a:t>For the solution you propose, what is the range of value of the sentiment score and how would you interpret that value? </a:t>
             </a:r>
-          </a:p>
-          <a:p>
-            <a:r>
-              <a:rPr lang="en-US" sz="2400" dirty="0">
+            <a:r>
+              <a:rPr lang="en-US" sz="2400" dirty="0" smtClean="0">
                 <a:latin typeface="+mn-lt"/>
               </a:rPr>
-              <a:t>The Text Analytics API returns values in the range of 0 to 1. </a:t>
-            </a:r>
-          </a:p>
-          <a:p>
-            <a:r>
-              <a:rPr lang="en-US" sz="2400" dirty="0">
+              <a:t/>
+            </a:r>
+            <a:br>
+              <a:rPr lang="en-US" sz="2400" dirty="0" smtClean="0">
                 <a:latin typeface="+mn-lt"/>
               </a:rPr>
-              <a:t>A value closer to 0 is interpreted as strongly negative sentiment, near 0.5 as neutral sentiment and closer to 1 as strongly positive sentiment.</a:t>
-            </a:r>
-            <a:endParaRPr lang="en-US" sz="2400" i="1" dirty="0">
+            </a:br>
+            <a:endParaRPr lang="en-US" sz="1800" dirty="0">
               <a:latin typeface="+mn-lt"/>
             </a:endParaRPr>
           </a:p>
           <a:p>
-            <a:pPr marL="0" indent="0">
-              <a:spcAft>
-                <a:spcPts val="882"/>
-              </a:spcAft>
-              <a:buNone/>
-            </a:pPr>
+            <a:r>
+              <a:rPr lang="en-US" sz="2200" dirty="0">
+                <a:latin typeface="+mn-lt"/>
+              </a:rPr>
+              <a:t>The Text Analytics API returns values in the range of 0 to 1. </a:t>
+            </a:r>
+          </a:p>
+          <a:p>
+            <a:r>
+              <a:rPr lang="en-US" sz="2200" dirty="0">
+                <a:latin typeface="+mn-lt"/>
+              </a:rPr>
+              <a:t>A value closer to 0 is interpreted as strongly negative sentiment, near 0.5 as neutral sentiment and closer to 1 as strongly positive </a:t>
+            </a:r>
+            <a:r>
+              <a:rPr lang="en-US" sz="2200" dirty="0" smtClean="0">
+                <a:latin typeface="+mn-lt"/>
+              </a:rPr>
+              <a:t>sentiment</a:t>
+            </a:r>
             <a:endParaRPr lang="en-US" sz="2400" dirty="0">
               <a:solidFill>
                 <a:schemeClr val="tx1"/>
@@ -18964,27 +20254,106 @@
         <p:spPr/>
         <p:txBody>
           <a:bodyPr>
-            <a:normAutofit fontScale="90000"/>
+            <a:normAutofit/>
           </a:bodyPr>
           <a:lstStyle/>
           <a:p>
             <a:r>
-              <a:rPr lang="en-US" sz="4900" dirty="0">
+              <a:rPr lang="en-US" sz="4400" dirty="0" smtClean="0">
                 <a:solidFill>
                   <a:schemeClr val="tx1"/>
                 </a:solidFill>
               </a:rPr>
-              <a:t>Preferred solution – Summarizing claim text</a:t>
-            </a:r>
-            <a:br>
-              <a:rPr lang="en-US" dirty="0">
+              <a:t>Preferred solution</a:t>
+            </a:r>
+            <a:endParaRPr lang="en-US" sz="4400" dirty="0">
+              <a:solidFill>
+                <a:schemeClr val="tx1"/>
+              </a:solidFill>
+              <a:latin typeface="Segoe UI" panose="020B0502040204020203" pitchFamily="34" charset="0"/>
+            </a:endParaRPr>
+          </a:p>
+        </p:txBody>
+      </p:sp>
+      <p:sp>
+        <p:nvSpPr>
+          <p:cNvPr id="4" name="Title 1"/>
+          <p:cNvSpPr txBox="1">
+            <a:spLocks/>
+          </p:cNvSpPr>
+          <p:nvPr/>
+        </p:nvSpPr>
+        <p:spPr>
+          <a:xfrm>
+            <a:off x="266923" y="1127711"/>
+            <a:ext cx="11655840" cy="899665"/>
+          </a:xfrm>
+          <a:prstGeom prst="rect">
+            <a:avLst/>
+          </a:prstGeom>
+        </p:spPr>
+        <p:txBody>
+          <a:bodyPr vert="horz" wrap="square" lIns="146304" tIns="91440" rIns="146304" bIns="91440" rtlCol="0" anchor="t">
+            <a:noAutofit/>
+          </a:bodyPr>
+          <a:lstStyle>
+            <a:lvl1pPr algn="l" defTabSz="914367" rtl="0" eaLnBrk="1" latinLnBrk="0" hangingPunct="1">
+              <a:lnSpc>
+                <a:spcPct val="90000"/>
+              </a:lnSpc>
+              <a:spcBef>
+                <a:spcPct val="0"/>
+              </a:spcBef>
+              <a:buNone/>
+              <a:defRPr lang="en-US" sz="4705" b="0" kern="1200" cap="none" spc="-100" baseline="0" dirty="0" smtClean="0">
+                <a:ln w="3175">
+                  <a:noFill/>
+                </a:ln>
+                <a:gradFill>
+                  <a:gsLst>
+                    <a:gs pos="1250">
+                      <a:schemeClr val="tx1"/>
+                    </a:gs>
+                    <a:gs pos="100000">
+                      <a:schemeClr val="tx1"/>
+                    </a:gs>
+                  </a:gsLst>
+                  <a:lin ang="5400000" scaled="0"/>
+                </a:gradFill>
+                <a:effectLst/>
+                <a:latin typeface="+mj-lt"/>
+                <a:ea typeface="+mn-ea"/>
+                <a:cs typeface="Segoe UI" pitchFamily="34" charset="0"/>
+              </a:defRPr>
+            </a:lvl1pPr>
+          </a:lstStyle>
+          <a:p>
+            <a:r>
+              <a:rPr lang="en-US" sz="3600" dirty="0" smtClean="0">
+                <a:solidFill>
+                  <a:schemeClr val="tx1"/>
+                </a:solidFill>
+              </a:rPr>
+              <a:t>Summarizing claim text</a:t>
+            </a:r>
+            <a:r>
+              <a:rPr lang="en-US" sz="3600" dirty="0" smtClean="0">
                 <a:solidFill>
                   <a:schemeClr val="tx1"/>
                 </a:solidFill>
                 <a:latin typeface="Segoe UI" panose="020B0502040204020203" pitchFamily="34" charset="0"/>
               </a:rPr>
+              <a:t/>
+            </a:r>
+            <a:br>
+              <a:rPr lang="en-US" sz="3600" dirty="0" smtClean="0">
+                <a:solidFill>
+                  <a:schemeClr val="tx1"/>
+                </a:solidFill>
+                <a:latin typeface="Segoe UI" panose="020B0502040204020203" pitchFamily="34" charset="0"/>
+              </a:rPr>
             </a:br>
-            <a:endParaRPr lang="en-US" sz="3236" dirty="0">
+            <a:endParaRPr lang="en-US" sz="3600" dirty="0">
               <a:solidFill>
                 <a:schemeClr val="tx1"/>
               </a:solidFill>
@@ -19005,7 +20374,7 @@
         </p:nvSpPr>
         <p:spPr>
           <a:xfrm>
-            <a:off x="269239" y="1189177"/>
+            <a:off x="264606" y="1907633"/>
             <a:ext cx="11653523" cy="5379312"/>
           </a:xfrm>
         </p:spPr>
@@ -19020,33 +20389,75 @@
             </a:pPr>
             <a:r>
               <a:rPr lang="en-US" sz="2800" dirty="0"/>
-              <a:t>Can they deploy a predictive web service to Azure Machine Learning services that does not utilize an external model (as in the case with gensim for summarization) or would support an unsupervised approach (such as clustering)?</a:t>
-            </a:r>
-          </a:p>
-          <a:p>
-            <a:r>
-              <a:rPr lang="en-US" sz="2800" dirty="0">
+              <a:t>Can they deploy a predictive web service to Azure Machine Learning services that does not utilize an external model (as in the case with gensim for summarization) or would support an unsupervised approach (such as clustering</a:t>
+            </a:r>
+            <a:r>
+              <a:rPr lang="en-US" sz="2800" dirty="0" smtClean="0"/>
+              <a:t>)?</a:t>
+            </a:r>
+            <a:r>
+              <a:rPr lang="en-US" sz="2800" dirty="0" smtClean="0">
                 <a:latin typeface="+mn-lt"/>
               </a:rPr>
-              <a:t>Azure Machine Learning services can be used to deploy web services that do not have a model. </a:t>
-            </a:r>
-          </a:p>
-          <a:p>
-            <a:r>
-              <a:rPr lang="en-US" sz="2800" dirty="0">
+              <a:t/>
+            </a:r>
+            <a:br>
+              <a:rPr lang="en-US" sz="2800" dirty="0" smtClean="0">
                 <a:latin typeface="+mn-lt"/>
               </a:rPr>
-              <a:t>While the CLI used to perform the deployment requires a model argument, the argument can refer to any file, and it does not require the use of the file during the web service runtime. </a:t>
-            </a:r>
-          </a:p>
-          <a:p>
-            <a:r>
-              <a:rPr lang="en-US" sz="2800" dirty="0">
+            </a:br>
+            <a:endParaRPr lang="en-US" sz="2800" dirty="0">
+              <a:latin typeface="+mn-lt"/>
+            </a:endParaRPr>
+          </a:p>
+          <a:p>
+            <a:r>
+              <a:rPr lang="en-US" sz="2400" dirty="0">
                 <a:latin typeface="+mn-lt"/>
               </a:rPr>
-              <a:t>Therefore, Contoso could deploy a web service that uses gensim to perform summarization.</a:t>
-            </a:r>
-            <a:endParaRPr lang="en-US" sz="2800" dirty="0">
+              <a:t>Azure Machine Learning services can be used to deploy web services that do not have a </a:t>
+            </a:r>
+            <a:r>
+              <a:rPr lang="en-US" sz="2400" dirty="0" smtClean="0">
+                <a:latin typeface="+mn-lt"/>
+              </a:rPr>
+              <a:t>model</a:t>
+            </a:r>
+            <a:endParaRPr lang="en-US" sz="2400" dirty="0">
+              <a:latin typeface="+mn-lt"/>
+            </a:endParaRPr>
+          </a:p>
+          <a:p>
+            <a:r>
+              <a:rPr lang="en-US" sz="2400" dirty="0">
+                <a:latin typeface="+mn-lt"/>
+              </a:rPr>
+              <a:t>While the CLI used to perform the deployment requires a model argument, the argument can refer to any file, and it does not require the use of the file during the web service </a:t>
+            </a:r>
+            <a:r>
+              <a:rPr lang="en-US" sz="2400" dirty="0" smtClean="0">
+                <a:latin typeface="+mn-lt"/>
+              </a:rPr>
+              <a:t>runtime</a:t>
+            </a:r>
+            <a:endParaRPr lang="en-US" sz="2400" dirty="0">
+              <a:latin typeface="+mn-lt"/>
+            </a:endParaRPr>
+          </a:p>
+          <a:p>
+            <a:r>
+              <a:rPr lang="en-US" sz="2400" dirty="0">
+                <a:latin typeface="+mn-lt"/>
+              </a:rPr>
+              <a:t>Therefore, Contoso could deploy a web service that uses gensim to perform </a:t>
+            </a:r>
+            <a:r>
+              <a:rPr lang="en-US" sz="2400" dirty="0" smtClean="0">
+                <a:latin typeface="+mn-lt"/>
+              </a:rPr>
+              <a:t>summarization</a:t>
+            </a:r>
+            <a:endParaRPr lang="en-US" sz="2400" dirty="0">
               <a:solidFill>
                 <a:schemeClr val="tx1"/>
               </a:solidFill>
@@ -19129,22 +20540,105 @@
             <p:ph type="title"/>
           </p:nvPr>
         </p:nvSpPr>
-        <p:spPr/>
+        <p:spPr>
+          <a:xfrm>
+            <a:off x="421640" y="1341576"/>
+            <a:ext cx="11655840" cy="899665"/>
+          </a:xfrm>
+        </p:spPr>
         <p:txBody>
           <a:bodyPr>
-            <a:normAutofit fontScale="90000"/>
+            <a:normAutofit/>
           </a:bodyPr>
           <a:lstStyle/>
           <a:p>
             <a:r>
-              <a:rPr lang="en-US" sz="4900" dirty="0">
+              <a:rPr lang="en-US" sz="3600" dirty="0" smtClean="0">
                 <a:solidFill>
                   <a:schemeClr val="tx1"/>
                 </a:solidFill>
               </a:rPr>
-              <a:t>Preferred solution – Captions, tags, and “reading” images</a:t>
-            </a:r>
-            <a:endParaRPr lang="en-US" sz="3236" dirty="0">
+              <a:t>Captions</a:t>
+            </a:r>
+            <a:r>
+              <a:rPr lang="en-US" sz="3600" dirty="0">
+                <a:solidFill>
+                  <a:schemeClr val="tx1"/>
+                </a:solidFill>
+              </a:rPr>
+              <a:t>, tags, and “reading” images</a:t>
+            </a:r>
+            <a:endParaRPr lang="en-US" sz="3600" dirty="0">
+              <a:solidFill>
+                <a:schemeClr val="tx1"/>
+              </a:solidFill>
+              <a:latin typeface="Segoe UI" panose="020B0502040204020203" pitchFamily="34" charset="0"/>
+            </a:endParaRPr>
+          </a:p>
+        </p:txBody>
+      </p:sp>
+      <p:sp>
+        <p:nvSpPr>
+          <p:cNvPr id="4" name="Title 1"/>
+          <p:cNvSpPr txBox="1">
+            <a:spLocks/>
+          </p:cNvSpPr>
+          <p:nvPr/>
+        </p:nvSpPr>
+        <p:spPr>
+          <a:xfrm>
+            <a:off x="421640" y="441911"/>
+            <a:ext cx="11655840" cy="899665"/>
+          </a:xfrm>
+          <a:prstGeom prst="rect">
+            <a:avLst/>
+          </a:prstGeom>
+        </p:spPr>
+        <p:txBody>
+          <a:bodyPr vert="horz" wrap="square" lIns="146304" tIns="91440" rIns="146304" bIns="91440" rtlCol="0" anchor="t">
+            <a:normAutofit fontScale="97500"/>
+          </a:bodyPr>
+          <a:lstStyle>
+            <a:lvl1pPr algn="l" defTabSz="914367" rtl="0" eaLnBrk="1" latinLnBrk="0" hangingPunct="1">
+              <a:lnSpc>
+                <a:spcPct val="90000"/>
+              </a:lnSpc>
+              <a:spcBef>
+                <a:spcPct val="0"/>
+              </a:spcBef>
+              <a:buNone/>
+              <a:defRPr lang="en-US" sz="4705" b="0" kern="1200" cap="none" spc="-100" baseline="0" dirty="0" smtClean="0">
+                <a:ln w="3175">
+                  <a:noFill/>
+                </a:ln>
+                <a:gradFill>
+                  <a:gsLst>
+                    <a:gs pos="1250">
+                      <a:schemeClr val="tx1"/>
+                    </a:gs>
+                    <a:gs pos="100000">
+                      <a:schemeClr val="tx1"/>
+                    </a:gs>
+                  </a:gsLst>
+                  <a:lin ang="5400000" scaled="0"/>
+                </a:gradFill>
+                <a:effectLst/>
+                <a:latin typeface="+mj-lt"/>
+                <a:ea typeface="+mn-ea"/>
+                <a:cs typeface="Segoe UI" pitchFamily="34" charset="0"/>
+              </a:defRPr>
+            </a:lvl1pPr>
+          </a:lstStyle>
+          <a:p>
+            <a:r>
+              <a:rPr lang="en-US" sz="4400" dirty="0" smtClean="0">
+                <a:solidFill>
+                  <a:schemeClr val="tx1"/>
+                </a:solidFill>
+              </a:rPr>
+              <a:t>Preferred solution</a:t>
+            </a:r>
+            <a:endParaRPr lang="en-US" sz="4400" dirty="0">
               <a:solidFill>
                 <a:schemeClr val="tx1"/>
               </a:solidFill>
@@ -19165,8 +20659,8 @@
         </p:nvSpPr>
         <p:spPr>
           <a:xfrm>
-            <a:off x="269238" y="1812632"/>
-            <a:ext cx="11653523" cy="5379312"/>
+            <a:off x="421640" y="2360984"/>
+            <a:ext cx="10216609" cy="5379312"/>
           </a:xfrm>
         </p:spPr>
         <p:txBody>
@@ -19182,22 +20676,49 @@
               <a:rPr lang="en-US" sz="2800" dirty="0"/>
               <a:t>How would you recommend Contoso implement support for automatically creating captions and tagging the claim photos? </a:t>
             </a:r>
-          </a:p>
-          <a:p>
-            <a:pPr marL="0" indent="0">
-              <a:buNone/>
-            </a:pPr>
+            <a:r>
+              <a:rPr lang="en-US" sz="2800" dirty="0" smtClean="0">
+                <a:latin typeface="+mn-lt"/>
+              </a:rPr>
+              <a:t/>
+            </a:r>
+            <a:br>
+              <a:rPr lang="en-US" sz="2800" dirty="0" smtClean="0">
+                <a:latin typeface="+mn-lt"/>
+              </a:rPr>
+            </a:br>
+            <a:endParaRPr lang="en-US" sz="2800" dirty="0">
+              <a:latin typeface="+mn-lt"/>
+            </a:endParaRPr>
+          </a:p>
+          <a:p>
+            <a:r>
+              <a:rPr lang="en-US" sz="2400" dirty="0">
+                <a:latin typeface="+mn-lt"/>
+              </a:rPr>
+              <a:t>Contoso should use the analyze feature of the Computer Vision API from Cognitive </a:t>
+            </a:r>
+            <a:r>
+              <a:rPr lang="en-US" sz="2400" dirty="0" smtClean="0">
+                <a:latin typeface="+mn-lt"/>
+              </a:rPr>
+              <a:t>Services</a:t>
+            </a:r>
             <a:r>
               <a:rPr lang="en-US" sz="2800" dirty="0">
                 <a:latin typeface="+mn-lt"/>
               </a:rPr>
-              <a:t>Contoso should use the analyze feature of the Computer Vision API from Cognitive Services.</a:t>
+              <a:t/>
             </a:r>
             <a:br>
               <a:rPr lang="en-US" sz="2800" dirty="0">
                 <a:latin typeface="+mn-lt"/>
               </a:rPr>
             </a:br>
+            <a:r>
+              <a:rPr lang="en-US" sz="2400" dirty="0"/>
+              <a:t/>
+            </a:r>
             <a:br>
               <a:rPr lang="en-US" sz="2400" dirty="0"/>
             </a:br>
@@ -19270,7 +20791,24 @@
                   <a:schemeClr val="tx1"/>
                 </a:solidFill>
               </a:rPr>
-              <a:t>Preferred solution – Captions, tags, and “reading” images</a:t>
+              <a:t>Preferred </a:t>
+            </a:r>
+            <a:r>
+              <a:rPr lang="en-US" sz="4900" dirty="0" smtClean="0">
+                <a:solidFill>
+                  <a:schemeClr val="tx1"/>
+                </a:solidFill>
+              </a:rPr>
+              <a:t>solution</a:t>
+            </a:r>
+            <a:r>
+              <a:rPr lang="en-US" dirty="0">
+                <a:solidFill>
+                  <a:schemeClr val="tx1"/>
+                </a:solidFill>
+                <a:latin typeface="Segoe UI" panose="020B0502040204020203" pitchFamily="34" charset="0"/>
+              </a:rPr>
+              <a:t/>
             </a:r>
             <a:br>
               <a:rPr lang="en-US" dirty="0">
@@ -19281,6 +20819,76 @@
               </a:rPr>
             </a:br>
             <a:endParaRPr lang="en-US" sz="3236" dirty="0">
+              <a:solidFill>
+                <a:schemeClr val="tx1"/>
+              </a:solidFill>
+              <a:latin typeface="Segoe UI" panose="020B0502040204020203" pitchFamily="34" charset="0"/>
+            </a:endParaRPr>
+          </a:p>
+        </p:txBody>
+      </p:sp>
+      <p:sp>
+        <p:nvSpPr>
+          <p:cNvPr id="5" name="Title 1"/>
+          <p:cNvSpPr txBox="1">
+            <a:spLocks/>
+          </p:cNvSpPr>
+          <p:nvPr/>
+        </p:nvSpPr>
+        <p:spPr>
+          <a:xfrm>
+            <a:off x="269240" y="1175081"/>
+            <a:ext cx="11655840" cy="899665"/>
+          </a:xfrm>
+          <a:prstGeom prst="rect">
+            <a:avLst/>
+          </a:prstGeom>
+        </p:spPr>
+        <p:txBody>
+          <a:bodyPr vert="horz" wrap="square" lIns="146304" tIns="91440" rIns="146304" bIns="91440" rtlCol="0" anchor="t">
+            <a:normAutofit/>
+          </a:bodyPr>
+          <a:lstStyle>
+            <a:lvl1pPr algn="l" defTabSz="914367" rtl="0" eaLnBrk="1" latinLnBrk="0" hangingPunct="1">
+              <a:lnSpc>
+                <a:spcPct val="90000"/>
+              </a:lnSpc>
+              <a:spcBef>
+                <a:spcPct val="0"/>
+              </a:spcBef>
+              <a:buNone/>
+              <a:defRPr lang="en-US" sz="4705" b="0" kern="1200" cap="none" spc="-100" baseline="0" dirty="0" smtClean="0">
+                <a:ln w="3175">
+                  <a:noFill/>
+                </a:ln>
+                <a:gradFill>
+                  <a:gsLst>
+                    <a:gs pos="1250">
+                      <a:schemeClr val="tx1"/>
+                    </a:gs>
+                    <a:gs pos="100000">
+                      <a:schemeClr val="tx1"/>
+                    </a:gs>
+                  </a:gsLst>
+                  <a:lin ang="5400000" scaled="0"/>
+                </a:gradFill>
+                <a:effectLst/>
+                <a:latin typeface="+mj-lt"/>
+                <a:ea typeface="+mn-ea"/>
+                <a:cs typeface="Segoe UI" pitchFamily="34" charset="0"/>
+              </a:defRPr>
+            </a:lvl1pPr>
+          </a:lstStyle>
+          <a:p>
+            <a:r>
+              <a:rPr lang="en-US" sz="3600" dirty="0" smtClean="0">
+                <a:solidFill>
+                  <a:schemeClr val="tx1"/>
+                </a:solidFill>
+              </a:rPr>
+              <a:t>Captions, tags, and “reading” images</a:t>
+            </a:r>
+            <a:endParaRPr lang="en-US" sz="3600" dirty="0">
               <a:solidFill>
                 <a:schemeClr val="tx1"/>
               </a:solidFill>
@@ -19301,8 +20909,8 @@
         </p:nvSpPr>
         <p:spPr>
           <a:xfrm>
-            <a:off x="336331" y="1729504"/>
-            <a:ext cx="5490430" cy="5379312"/>
+            <a:off x="338651" y="2074746"/>
+            <a:ext cx="5490430" cy="4943439"/>
           </a:xfrm>
         </p:spPr>
         <p:txBody>
@@ -19314,42 +20922,6 @@
             <a:pPr marL="0" indent="0">
               <a:buNone/>
             </a:pPr>
-            <a:r>
-              <a:rPr lang="en-US" sz="2800" dirty="0">
-                <a:gradFill>
-                  <a:gsLst>
-                    <a:gs pos="1250">
-                      <a:srgbClr val="FFFFFF"/>
-                    </a:gs>
-                    <a:gs pos="100000">
-                      <a:srgbClr val="FFFFFF"/>
-                    </a:gs>
-                  </a:gsLst>
-                  <a:lin ang="5400000" scaled="0"/>
-                </a:gradFill>
-              </a:rPr>
-              <a:t>Describe the flow of processing of an image as input, to what value is returned by each component in your proposed solution for captioning and tagging images.</a:t>
-            </a:r>
-          </a:p>
-          <a:p>
-            <a:pPr marL="0" indent="0">
-              <a:buNone/>
-            </a:pPr>
-            <a:endParaRPr lang="en-US" sz="2800" dirty="0">
-              <a:gradFill>
-                <a:gsLst>
-                  <a:gs pos="1250">
-                    <a:srgbClr val="FFFFFF"/>
-                  </a:gs>
-                  <a:gs pos="100000">
-                    <a:srgbClr val="FFFFFF"/>
-                  </a:gs>
-                </a:gsLst>
-                <a:lin ang="5400000" scaled="0"/>
-              </a:gradFill>
-            </a:endParaRPr>
-          </a:p>
-          <a:p>
             <a:r>
               <a:rPr lang="en-US" sz="2800" dirty="0">
                 <a:gradFill>
@@ -19365,12 +20937,30 @@
                 </a:gradFill>
                 <a:latin typeface="+mn-lt"/>
               </a:rPr>
-              <a:t>Either the binary image data or a URL pointing to a publicly accessible image can be supplied</a:t>
-            </a:r>
-          </a:p>
-          <a:p>
-            <a:r>
-              <a:rPr lang="en-US" sz="2800" dirty="0">
+              <a:t>Describe the flow of processing of an image as input, to what value is returned by each component in your proposed solution for captioning and tagging images.</a:t>
+            </a:r>
+          </a:p>
+          <a:p>
+            <a:pPr marL="0" indent="0">
+              <a:buNone/>
+            </a:pPr>
+            <a:endParaRPr lang="en-US" sz="1800" dirty="0">
+              <a:gradFill>
+                <a:gsLst>
+                  <a:gs pos="1250">
+                    <a:srgbClr val="FFFFFF"/>
+                  </a:gs>
+                  <a:gs pos="100000">
+                    <a:srgbClr val="FFFFFF"/>
+                  </a:gs>
+                </a:gsLst>
+                <a:lin ang="5400000" scaled="0"/>
+              </a:gradFill>
+            </a:endParaRPr>
+          </a:p>
+          <a:p>
+            <a:r>
+              <a:rPr lang="en-US" sz="2400" dirty="0">
                 <a:gradFill>
                   <a:gsLst>
                     <a:gs pos="1250">
@@ -19384,9 +20974,92 @@
                 </a:gradFill>
                 <a:latin typeface="+mn-lt"/>
               </a:rPr>
-              <a:t>A JSON response document is returned.</a:t>
-            </a:r>
-            <a:endParaRPr lang="en-US" sz="2800" dirty="0">
+              <a:t>Either the binary image data or a URL pointing to a publicly accessible image can be </a:t>
+            </a:r>
+            <a:r>
+              <a:rPr lang="en-US" sz="2400" dirty="0" smtClean="0">
+                <a:gradFill>
+                  <a:gsLst>
+                    <a:gs pos="1250">
+                      <a:srgbClr val="FFFFFF"/>
+                    </a:gs>
+                    <a:gs pos="100000">
+                      <a:srgbClr val="FFFFFF"/>
+                    </a:gs>
+                  </a:gsLst>
+                  <a:lin ang="5400000" scaled="0"/>
+                </a:gradFill>
+                <a:latin typeface="+mn-lt"/>
+              </a:rPr>
+              <a:t>supplied</a:t>
+            </a:r>
+            <a:br>
+              <a:rPr lang="en-US" sz="2400" dirty="0" smtClean="0">
+                <a:gradFill>
+                  <a:gsLst>
+                    <a:gs pos="1250">
+                      <a:srgbClr val="FFFFFF"/>
+                    </a:gs>
+                    <a:gs pos="100000">
+                      <a:srgbClr val="FFFFFF"/>
+                    </a:gs>
+                  </a:gsLst>
+                  <a:lin ang="5400000" scaled="0"/>
+                </a:gradFill>
+                <a:latin typeface="+mn-lt"/>
+              </a:rPr>
+            </a:br>
+            <a:endParaRPr lang="en-US" sz="1800" dirty="0">
+              <a:gradFill>
+                <a:gsLst>
+                  <a:gs pos="1250">
+                    <a:srgbClr val="FFFFFF"/>
+                  </a:gs>
+                  <a:gs pos="100000">
+                    <a:srgbClr val="FFFFFF"/>
+                  </a:gs>
+                </a:gsLst>
+                <a:lin ang="5400000" scaled="0"/>
+              </a:gradFill>
+              <a:latin typeface="+mn-lt"/>
+            </a:endParaRPr>
+          </a:p>
+          <a:p>
+            <a:r>
+              <a:rPr lang="en-US" sz="2400" dirty="0">
+                <a:gradFill>
+                  <a:gsLst>
+                    <a:gs pos="1250">
+                      <a:srgbClr val="FFFFFF"/>
+                    </a:gs>
+                    <a:gs pos="100000">
+                      <a:srgbClr val="FFFFFF"/>
+                    </a:gs>
+                  </a:gsLst>
+                  <a:lin ang="5400000" scaled="0"/>
+                </a:gradFill>
+                <a:latin typeface="+mn-lt"/>
+              </a:rPr>
+              <a:t>A JSON response document is </a:t>
+            </a:r>
+            <a:r>
+              <a:rPr lang="en-US" sz="2400" dirty="0" smtClean="0">
+                <a:gradFill>
+                  <a:gsLst>
+                    <a:gs pos="1250">
+                      <a:srgbClr val="FFFFFF"/>
+                    </a:gs>
+                    <a:gs pos="100000">
+                      <a:srgbClr val="FFFFFF"/>
+                    </a:gs>
+                  </a:gsLst>
+                  <a:lin ang="5400000" scaled="0"/>
+                </a:gradFill>
+                <a:latin typeface="+mn-lt"/>
+              </a:rPr>
+              <a:t>returned</a:t>
+            </a:r>
+            <a:endParaRPr lang="en-US" sz="2400" dirty="0">
               <a:solidFill>
                 <a:schemeClr val="tx1"/>
               </a:solidFill>
@@ -19422,7 +21095,7 @@
         </p:nvSpPr>
         <p:spPr>
           <a:xfrm>
-            <a:off x="5826761" y="1729504"/>
+            <a:off x="5829081" y="2074746"/>
             <a:ext cx="6095999" cy="4381649"/>
           </a:xfrm>
           <a:prstGeom prst="rect">
@@ -19999,7 +21672,7 @@
         <p:spPr/>
         <p:txBody>
           <a:bodyPr>
-            <a:normAutofit fontScale="90000"/>
+            <a:normAutofit/>
           </a:bodyPr>
           <a:lstStyle/>
           <a:p>
@@ -20009,9 +21682,87 @@
                   <a:schemeClr val="tx1"/>
                 </a:solidFill>
               </a:rPr>
-              <a:t>Preferred solution – Captions, tags, and “reading” images</a:t>
+              <a:t>Preferred </a:t>
+            </a:r>
+            <a:r>
+              <a:rPr lang="en-US" sz="4900" dirty="0" smtClean="0">
+                <a:solidFill>
+                  <a:schemeClr val="tx1"/>
+                </a:solidFill>
+              </a:rPr>
+              <a:t>solution</a:t>
             </a:r>
             <a:endParaRPr lang="en-US" sz="3236" dirty="0">
+              <a:solidFill>
+                <a:schemeClr val="tx1"/>
+              </a:solidFill>
+              <a:latin typeface="Segoe UI" panose="020B0502040204020203" pitchFamily="34" charset="0"/>
+            </a:endParaRPr>
+          </a:p>
+        </p:txBody>
+      </p:sp>
+      <p:sp>
+        <p:nvSpPr>
+          <p:cNvPr id="4" name="Title 1"/>
+          <p:cNvSpPr txBox="1">
+            <a:spLocks/>
+          </p:cNvSpPr>
+          <p:nvPr/>
+        </p:nvSpPr>
+        <p:spPr>
+          <a:xfrm>
+            <a:off x="266921" y="1287148"/>
+            <a:ext cx="11655840" cy="899665"/>
+          </a:xfrm>
+          <a:prstGeom prst="rect">
+            <a:avLst/>
+          </a:prstGeom>
+        </p:spPr>
+        <p:txBody>
+          <a:bodyPr vert="horz" wrap="square" lIns="146304" tIns="91440" rIns="146304" bIns="91440" rtlCol="0" anchor="t">
+            <a:normAutofit/>
+          </a:bodyPr>
+          <a:lstStyle>
+            <a:lvl1pPr algn="l" defTabSz="914367" rtl="0" eaLnBrk="1" latinLnBrk="0" hangingPunct="1">
+              <a:lnSpc>
+                <a:spcPct val="90000"/>
+              </a:lnSpc>
+              <a:spcBef>
+                <a:spcPct val="0"/>
+              </a:spcBef>
+              <a:buNone/>
+              <a:defRPr lang="en-US" sz="4705" b="0" kern="1200" cap="none" spc="-100" baseline="0" dirty="0" smtClean="0">
+                <a:ln w="3175">
+                  <a:noFill/>
+                </a:ln>
+                <a:gradFill>
+                  <a:gsLst>
+                    <a:gs pos="1250">
+                      <a:schemeClr val="tx1"/>
+                    </a:gs>
+                    <a:gs pos="100000">
+                      <a:schemeClr val="tx1"/>
+                    </a:gs>
+                  </a:gsLst>
+                  <a:lin ang="5400000" scaled="0"/>
+                </a:gradFill>
+                <a:effectLst/>
+                <a:latin typeface="+mj-lt"/>
+                <a:ea typeface="+mn-ea"/>
+                <a:cs typeface="Segoe UI" pitchFamily="34" charset="0"/>
+              </a:defRPr>
+            </a:lvl1pPr>
+          </a:lstStyle>
+          <a:p>
+            <a:r>
+              <a:rPr lang="en-US" sz="3600" dirty="0" smtClean="0">
+                <a:solidFill>
+                  <a:schemeClr val="tx1"/>
+                </a:solidFill>
+              </a:rPr>
+              <a:t>Captions, tags, and “reading” images</a:t>
+            </a:r>
+            <a:endParaRPr lang="en-US" sz="3600" dirty="0">
               <a:solidFill>
                 <a:schemeClr val="tx1"/>
               </a:solidFill>
@@ -20032,8 +21783,8 @@
         </p:nvSpPr>
         <p:spPr>
           <a:xfrm>
-            <a:off x="269238" y="1978886"/>
-            <a:ext cx="11653523" cy="3798459"/>
+            <a:off x="266922" y="2446972"/>
+            <a:ext cx="11108650" cy="3798459"/>
           </a:xfrm>
         </p:spPr>
         <p:txBody>
@@ -20047,24 +21798,49 @@
             </a:pPr>
             <a:r>
               <a:rPr lang="en-US" sz="2800" dirty="0"/>
-              <a:t>How would you recommend Contoso implement support for “reading” any text that appears within an image, so that it could be searched later? Would this require you to build a custom AI model is there a pre-built AI service you could use?</a:t>
+              <a:t>How would you recommend Contoso implement support for “reading” any text that appears within an image, so that it could be searched later? Would this require you to build a custom AI model is there a pre-built AI service you could use</a:t>
+            </a:r>
+            <a:r>
+              <a:rPr lang="en-US" sz="2800" dirty="0" smtClean="0"/>
+              <a:t>?</a:t>
             </a:r>
           </a:p>
           <a:p>
             <a:pPr marL="0" indent="0">
               <a:buNone/>
             </a:pPr>
+            <a:endParaRPr lang="en-US" sz="2800" dirty="0">
+              <a:latin typeface="+mn-lt"/>
+            </a:endParaRPr>
+          </a:p>
+          <a:p>
+            <a:r>
+              <a:rPr lang="en-US" sz="2400" dirty="0">
+                <a:latin typeface="+mn-lt"/>
+              </a:rPr>
+              <a:t>Contoso could use the OCR feature of the Computer Vision </a:t>
+            </a:r>
+            <a:r>
+              <a:rPr lang="en-US" sz="2400" dirty="0" smtClean="0">
+                <a:latin typeface="+mn-lt"/>
+              </a:rPr>
+              <a:t>API</a:t>
+            </a:r>
             <a:r>
               <a:rPr lang="en-US" sz="2800" dirty="0">
                 <a:latin typeface="+mn-lt"/>
               </a:rPr>
-              <a:t>Contoso could use the OCR feature of the Computer Vision API.</a:t>
+              <a:t/>
             </a:r>
             <a:br>
               <a:rPr lang="en-US" sz="2800" dirty="0">
                 <a:latin typeface="+mn-lt"/>
               </a:rPr>
             </a:br>
+            <a:r>
+              <a:rPr lang="en-US" sz="2400" dirty="0"/>
+              <a:t/>
+            </a:r>
             <a:br>
               <a:rPr lang="en-US" sz="2400" dirty="0"/>
             </a:br>
@@ -20137,7 +21913,24 @@
                   <a:schemeClr val="tx1"/>
                 </a:solidFill>
               </a:rPr>
-              <a:t>Preferred solution – Captions, tags, and “reading” images</a:t>
+              <a:t>Preferred </a:t>
+            </a:r>
+            <a:r>
+              <a:rPr lang="en-US" sz="4900" dirty="0" smtClean="0">
+                <a:solidFill>
+                  <a:schemeClr val="tx1"/>
+                </a:solidFill>
+              </a:rPr>
+              <a:t>solution</a:t>
+            </a:r>
+            <a:r>
+              <a:rPr lang="en-US" dirty="0">
+                <a:solidFill>
+                  <a:schemeClr val="tx1"/>
+                </a:solidFill>
+                <a:latin typeface="Segoe UI" panose="020B0502040204020203" pitchFamily="34" charset="0"/>
+              </a:rPr>
+              <a:t/>
             </a:r>
             <a:br>
               <a:rPr lang="en-US" dirty="0">
@@ -20148,6 +21941,76 @@
               </a:rPr>
             </a:br>
             <a:endParaRPr lang="en-US" sz="3236" dirty="0">
+              <a:solidFill>
+                <a:schemeClr val="tx1"/>
+              </a:solidFill>
+              <a:latin typeface="Segoe UI" panose="020B0502040204020203" pitchFamily="34" charset="0"/>
+            </a:endParaRPr>
+          </a:p>
+        </p:txBody>
+      </p:sp>
+      <p:sp>
+        <p:nvSpPr>
+          <p:cNvPr id="5" name="Title 1"/>
+          <p:cNvSpPr txBox="1">
+            <a:spLocks/>
+          </p:cNvSpPr>
+          <p:nvPr/>
+        </p:nvSpPr>
+        <p:spPr>
+          <a:xfrm>
+            <a:off x="269240" y="1159029"/>
+            <a:ext cx="11655840" cy="899665"/>
+          </a:xfrm>
+          <a:prstGeom prst="rect">
+            <a:avLst/>
+          </a:prstGeom>
+        </p:spPr>
+        <p:txBody>
+          <a:bodyPr vert="horz" wrap="square" lIns="146304" tIns="91440" rIns="146304" bIns="91440" rtlCol="0" anchor="t">
+            <a:normAutofit/>
+          </a:bodyPr>
+          <a:lstStyle>
+            <a:lvl1pPr algn="l" defTabSz="914367" rtl="0" eaLnBrk="1" latinLnBrk="0" hangingPunct="1">
+              <a:lnSpc>
+                <a:spcPct val="90000"/>
+              </a:lnSpc>
+              <a:spcBef>
+                <a:spcPct val="0"/>
+              </a:spcBef>
+              <a:buNone/>
+              <a:defRPr lang="en-US" sz="4705" b="0" kern="1200" cap="none" spc="-100" baseline="0" dirty="0" smtClean="0">
+                <a:ln w="3175">
+                  <a:noFill/>
+                </a:ln>
+                <a:gradFill>
+                  <a:gsLst>
+                    <a:gs pos="1250">
+                      <a:schemeClr val="tx1"/>
+                    </a:gs>
+                    <a:gs pos="100000">
+                      <a:schemeClr val="tx1"/>
+                    </a:gs>
+                  </a:gsLst>
+                  <a:lin ang="5400000" scaled="0"/>
+                </a:gradFill>
+                <a:effectLst/>
+                <a:latin typeface="+mj-lt"/>
+                <a:ea typeface="+mn-ea"/>
+                <a:cs typeface="Segoe UI" pitchFamily="34" charset="0"/>
+              </a:defRPr>
+            </a:lvl1pPr>
+          </a:lstStyle>
+          <a:p>
+            <a:r>
+              <a:rPr lang="en-US" sz="3600" dirty="0" smtClean="0">
+                <a:solidFill>
+                  <a:schemeClr val="tx1"/>
+                </a:solidFill>
+              </a:rPr>
+              <a:t>Captions, tags, and “reading” images</a:t>
+            </a:r>
+            <a:endParaRPr lang="en-US" sz="3600" dirty="0">
               <a:solidFill>
                 <a:schemeClr val="tx1"/>
               </a:solidFill>
@@ -20168,7 +22031,7 @@
         </p:nvSpPr>
         <p:spPr>
           <a:xfrm>
-            <a:off x="269240" y="1785576"/>
+            <a:off x="269240" y="2155691"/>
             <a:ext cx="5006953" cy="4546213"/>
           </a:xfrm>
         </p:spPr>
@@ -20182,7 +22045,7 @@
               <a:buNone/>
             </a:pPr>
             <a:r>
-              <a:rPr lang="en-US" sz="2800" dirty="0">
+              <a:rPr lang="en-US" sz="2400" dirty="0">
                 <a:gradFill>
                   <a:gsLst>
                     <a:gs pos="1250">
@@ -20195,12 +22058,26 @@
                   <a:lin ang="5400000" scaled="0"/>
                 </a:gradFill>
               </a:rPr>
-              <a:t>Describe the flow of processing of an image as input, to what value returned by each component in your proposed solution for “reading” images.</a:t>
-            </a:r>
-          </a:p>
-          <a:p>
-            <a:r>
-              <a:rPr lang="en-US" sz="2800" dirty="0">
+              <a:t>Describe the flow of processing of an image as input, to what value returned by each component in your proposed solution for “reading” images</a:t>
+            </a:r>
+            <a:r>
+              <a:rPr lang="en-US" sz="2400" dirty="0" smtClean="0">
+                <a:gradFill>
+                  <a:gsLst>
+                    <a:gs pos="1250">
+                      <a:srgbClr val="FFFFFF"/>
+                    </a:gs>
+                    <a:gs pos="100000">
+                      <a:srgbClr val="FFFFFF"/>
+                    </a:gs>
+                  </a:gsLst>
+                  <a:lin ang="5400000" scaled="0"/>
+                </a:gradFill>
+              </a:rPr>
+              <a:t>.</a:t>
+            </a:r>
+            <a:r>
+              <a:rPr lang="en-US" sz="2400" dirty="0" smtClean="0">
                 <a:gradFill>
                   <a:gsLst>
                     <a:gs pos="1250">
@@ -20214,12 +22091,10 @@
                 </a:gradFill>
                 <a:latin typeface="+mn-lt"/>
               </a:rPr>
-              <a:t>Either the binary image data or a URL pointing to a publicly accessible image can be supplied</a:t>
-            </a:r>
-          </a:p>
-          <a:p>
-            <a:r>
-              <a:rPr lang="en-US" sz="2800" dirty="0">
+              <a:t/>
+            </a:r>
+            <a:br>
+              <a:rPr lang="en-US" sz="2400" dirty="0" smtClean="0">
                 <a:gradFill>
                   <a:gsLst>
                     <a:gs pos="1250">
@@ -20233,9 +22108,107 @@
                 </a:gradFill>
                 <a:latin typeface="+mn-lt"/>
               </a:rPr>
+            </a:br>
+            <a:endParaRPr lang="en-US" sz="2400" dirty="0">
+              <a:gradFill>
+                <a:gsLst>
+                  <a:gs pos="1250">
+                    <a:srgbClr val="FFFFFF"/>
+                  </a:gs>
+                  <a:gs pos="100000">
+                    <a:srgbClr val="FFFFFF"/>
+                  </a:gs>
+                </a:gsLst>
+                <a:lin ang="5400000" scaled="0"/>
+              </a:gradFill>
+              <a:latin typeface="+mn-lt"/>
+            </a:endParaRPr>
+          </a:p>
+          <a:p>
+            <a:r>
+              <a:rPr lang="en-US" sz="2200" dirty="0">
+                <a:gradFill>
+                  <a:gsLst>
+                    <a:gs pos="1250">
+                      <a:srgbClr val="FFFFFF"/>
+                    </a:gs>
+                    <a:gs pos="100000">
+                      <a:srgbClr val="FFFFFF"/>
+                    </a:gs>
+                  </a:gsLst>
+                  <a:lin ang="5400000" scaled="0"/>
+                </a:gradFill>
+                <a:latin typeface="+mn-lt"/>
+              </a:rPr>
+              <a:t>Either the binary image data or a URL pointing to a publicly accessible image can be </a:t>
+            </a:r>
+            <a:r>
+              <a:rPr lang="en-US" sz="2200" dirty="0" smtClean="0">
+                <a:gradFill>
+                  <a:gsLst>
+                    <a:gs pos="1250">
+                      <a:srgbClr val="FFFFFF"/>
+                    </a:gs>
+                    <a:gs pos="100000">
+                      <a:srgbClr val="FFFFFF"/>
+                    </a:gs>
+                  </a:gsLst>
+                  <a:lin ang="5400000" scaled="0"/>
+                </a:gradFill>
+                <a:latin typeface="+mn-lt"/>
+              </a:rPr>
+              <a:t>supplied</a:t>
+            </a:r>
+            <a:br>
+              <a:rPr lang="en-US" sz="2200" dirty="0" smtClean="0">
+                <a:gradFill>
+                  <a:gsLst>
+                    <a:gs pos="1250">
+                      <a:srgbClr val="FFFFFF"/>
+                    </a:gs>
+                    <a:gs pos="100000">
+                      <a:srgbClr val="FFFFFF"/>
+                    </a:gs>
+                  </a:gsLst>
+                  <a:lin ang="5400000" scaled="0"/>
+                </a:gradFill>
+                <a:latin typeface="+mn-lt"/>
+              </a:rPr>
+            </a:br>
+            <a:endParaRPr lang="en-US" sz="2200" dirty="0">
+              <a:gradFill>
+                <a:gsLst>
+                  <a:gs pos="1250">
+                    <a:srgbClr val="FFFFFF"/>
+                  </a:gs>
+                  <a:gs pos="100000">
+                    <a:srgbClr val="FFFFFF"/>
+                  </a:gs>
+                </a:gsLst>
+                <a:lin ang="5400000" scaled="0"/>
+              </a:gradFill>
+              <a:latin typeface="+mn-lt"/>
+            </a:endParaRPr>
+          </a:p>
+          <a:p>
+            <a:r>
+              <a:rPr lang="en-US" sz="2200" dirty="0">
+                <a:gradFill>
+                  <a:gsLst>
+                    <a:gs pos="1250">
+                      <a:srgbClr val="FFFFFF"/>
+                    </a:gs>
+                    <a:gs pos="100000">
+                      <a:srgbClr val="FFFFFF"/>
+                    </a:gs>
+                  </a:gsLst>
+                  <a:lin ang="5400000" scaled="0"/>
+                </a:gradFill>
+                <a:latin typeface="+mn-lt"/>
+              </a:rPr>
               <a:t>A JSON response document is returned.</a:t>
             </a:r>
-            <a:endParaRPr lang="en-US" sz="2800" dirty="0">
+            <a:endParaRPr lang="en-US" sz="2200" dirty="0">
               <a:solidFill>
                 <a:schemeClr val="tx1"/>
               </a:solidFill>
@@ -20271,7 +22244,7 @@
         </p:nvSpPr>
         <p:spPr>
           <a:xfrm>
-            <a:off x="4820219" y="2121216"/>
+            <a:off x="4820219" y="2491331"/>
             <a:ext cx="7371781" cy="3368936"/>
           </a:xfrm>
           <a:prstGeom prst="rect">
@@ -20535,14 +22508,92 @@
           <a:lstStyle/>
           <a:p>
             <a:r>
-              <a:rPr lang="en-US" sz="4900" dirty="0">
+              <a:rPr lang="en-US" sz="4400" dirty="0">
                 <a:solidFill>
                   <a:schemeClr val="tx1"/>
                 </a:solidFill>
               </a:rPr>
-              <a:t>Preferred solution – Enabling search</a:t>
-            </a:r>
-            <a:endParaRPr lang="en-US" sz="3236" dirty="0">
+              <a:t>Preferred </a:t>
+            </a:r>
+            <a:r>
+              <a:rPr lang="en-US" sz="4400" dirty="0" smtClean="0">
+                <a:solidFill>
+                  <a:schemeClr val="tx1"/>
+                </a:solidFill>
+              </a:rPr>
+              <a:t>solution</a:t>
+            </a:r>
+            <a:endParaRPr lang="en-US" sz="4400" dirty="0">
+              <a:solidFill>
+                <a:schemeClr val="tx1"/>
+              </a:solidFill>
+              <a:latin typeface="Segoe UI" panose="020B0502040204020203" pitchFamily="34" charset="0"/>
+            </a:endParaRPr>
+          </a:p>
+        </p:txBody>
+      </p:sp>
+      <p:sp>
+        <p:nvSpPr>
+          <p:cNvPr id="5" name="Title 1"/>
+          <p:cNvSpPr txBox="1">
+            <a:spLocks/>
+          </p:cNvSpPr>
+          <p:nvPr/>
+        </p:nvSpPr>
+        <p:spPr>
+          <a:xfrm>
+            <a:off x="269240" y="1189176"/>
+            <a:ext cx="11655840" cy="899665"/>
+          </a:xfrm>
+          <a:prstGeom prst="rect">
+            <a:avLst/>
+          </a:prstGeom>
+        </p:spPr>
+        <p:txBody>
+          <a:bodyPr vert="horz" wrap="square" lIns="146304" tIns="91440" rIns="146304" bIns="91440" rtlCol="0" anchor="t">
+            <a:normAutofit/>
+          </a:bodyPr>
+          <a:lstStyle>
+            <a:lvl1pPr algn="l" defTabSz="914367" rtl="0" eaLnBrk="1" latinLnBrk="0" hangingPunct="1">
+              <a:lnSpc>
+                <a:spcPct val="90000"/>
+              </a:lnSpc>
+              <a:spcBef>
+                <a:spcPct val="0"/>
+              </a:spcBef>
+              <a:buNone/>
+              <a:defRPr lang="en-US" sz="4705" b="0" kern="1200" cap="none" spc="-100" baseline="0" dirty="0" smtClean="0">
+                <a:ln w="3175">
+                  <a:noFill/>
+                </a:ln>
+                <a:gradFill>
+                  <a:gsLst>
+                    <a:gs pos="1250">
+                      <a:schemeClr val="tx1"/>
+                    </a:gs>
+                    <a:gs pos="100000">
+                      <a:schemeClr val="tx1"/>
+                    </a:gs>
+                  </a:gsLst>
+                  <a:lin ang="5400000" scaled="0"/>
+                </a:gradFill>
+                <a:effectLst/>
+                <a:latin typeface="+mj-lt"/>
+                <a:ea typeface="+mn-ea"/>
+                <a:cs typeface="Segoe UI" pitchFamily="34" charset="0"/>
+              </a:defRPr>
+            </a:lvl1pPr>
+          </a:lstStyle>
+          <a:p>
+            <a:r>
+              <a:rPr lang="en-US" sz="3600" dirty="0" smtClean="0">
+                <a:solidFill>
+                  <a:schemeClr val="tx1"/>
+                </a:solidFill>
+              </a:rPr>
+              <a:t>Enabling search</a:t>
+            </a:r>
+            <a:endParaRPr lang="en-US" sz="3600" dirty="0">
               <a:solidFill>
                 <a:schemeClr val="tx1"/>
               </a:solidFill>
@@ -20563,7 +22614,7 @@
         </p:nvSpPr>
         <p:spPr>
           <a:xfrm>
-            <a:off x="269239" y="1189177"/>
+            <a:off x="269240" y="1972948"/>
             <a:ext cx="11653523" cy="5379312"/>
           </a:xfrm>
         </p:spPr>
@@ -20577,48 +22628,124 @@
               <a:buNone/>
             </a:pPr>
             <a:r>
-              <a:rPr lang="en-US" sz="2800" dirty="0"/>
-              <a:t>What service would you recommend Contoso leverage to enable greater searchability over the claim data, inclusive of the new data fields created by your text processing and image processing components?</a:t>
-            </a:r>
-          </a:p>
-          <a:p>
+              <a:rPr lang="en-US" sz="2400" dirty="0"/>
+              <a:t>What service would you recommend </a:t>
+            </a:r>
+            <a:r>
+              <a:rPr lang="en-US" sz="2400" dirty="0" smtClean="0"/>
+              <a:t>Contoso use to </a:t>
+            </a:r>
+            <a:r>
+              <a:rPr lang="en-US" sz="2400" dirty="0"/>
+              <a:t>enable greater searchability over the claim data, inclusive of the new data fields created by your text processing and image processing components</a:t>
+            </a:r>
+            <a:r>
+              <a:rPr lang="en-US" sz="2400" dirty="0" smtClean="0"/>
+              <a:t>?</a:t>
+            </a:r>
+            <a:r>
+              <a:rPr lang="en-US" sz="2400" dirty="0" smtClean="0">
+                <a:latin typeface="+mn-lt"/>
+              </a:rPr>
+              <a:t/>
+            </a:r>
+            <a:br>
+              <a:rPr lang="en-US" sz="2400" dirty="0" smtClean="0">
+                <a:latin typeface="+mn-lt"/>
+              </a:rPr>
+            </a:br>
+            <a:endParaRPr lang="en-US" sz="1800" dirty="0">
+              <a:latin typeface="+mn-lt"/>
+            </a:endParaRPr>
+          </a:p>
+          <a:p>
+            <a:r>
+              <a:rPr lang="en-US" sz="2200" dirty="0">
+                <a:latin typeface="+mn-lt"/>
+              </a:rPr>
+              <a:t>Contoso should use Azure Search to create an Index for the claim data as it enters their </a:t>
+            </a:r>
+            <a:r>
+              <a:rPr lang="en-US" sz="2200" dirty="0" smtClean="0">
+                <a:latin typeface="+mn-lt"/>
+              </a:rPr>
+              <a:t>system, and </a:t>
+            </a:r>
+            <a:r>
+              <a:rPr lang="en-US" sz="2200" dirty="0">
+                <a:latin typeface="+mn-lt"/>
+              </a:rPr>
+              <a:t>augmented by the results of the text and image processing </a:t>
+            </a:r>
+            <a:r>
+              <a:rPr lang="en-US" sz="2200" dirty="0" smtClean="0">
+                <a:latin typeface="+mn-lt"/>
+              </a:rPr>
+              <a:t>components</a:t>
+            </a:r>
+            <a:endParaRPr lang="en-US" sz="2400" dirty="0">
+              <a:latin typeface="+mn-lt"/>
+            </a:endParaRPr>
+          </a:p>
+          <a:p>
+            <a:pPr marL="0" indent="0">
+              <a:buNone/>
+            </a:pPr>
+            <a:endParaRPr lang="en-US" sz="1800" dirty="0">
+              <a:latin typeface="+mn-lt"/>
+            </a:endParaRPr>
+          </a:p>
+          <a:p>
+            <a:pPr marL="0" indent="0">
+              <a:buNone/>
+            </a:pPr>
+            <a:r>
+              <a:rPr lang="en-US" sz="2400" dirty="0"/>
+              <a:t>Would they be able to keep their claims data in the existing database and layer in this search capability? If so, explain how</a:t>
+            </a:r>
+            <a:r>
+              <a:rPr lang="en-US" sz="2400" dirty="0" smtClean="0"/>
+              <a:t>.</a:t>
+            </a:r>
+            <a:r>
+              <a:rPr lang="en-US" sz="2400" dirty="0" smtClean="0">
+                <a:latin typeface="+mn-lt"/>
+              </a:rPr>
+              <a:t/>
+            </a:r>
+            <a:br>
+              <a:rPr lang="en-US" sz="2400" dirty="0" smtClean="0">
+                <a:latin typeface="+mn-lt"/>
+              </a:rPr>
+            </a:br>
+            <a:endParaRPr lang="en-US" sz="1800" dirty="0">
+              <a:latin typeface="+mn-lt"/>
+            </a:endParaRPr>
+          </a:p>
+          <a:p>
+            <a:r>
+              <a:rPr lang="en-US" sz="2200" dirty="0">
+                <a:latin typeface="+mn-lt"/>
+              </a:rPr>
+              <a:t>Yes, the data in the Azure Search index would augment the data already stored in their SQL Database. The data in the Azure Search index would tie back to the data in SQL Database via values used as the primary key in the SQL Database (such as the claim ID, image ID, attachment ID, etc.).</a:t>
+            </a:r>
             <a:r>
               <a:rPr lang="en-US" sz="2400" dirty="0">
                 <a:latin typeface="+mn-lt"/>
               </a:rPr>
-              <a:t>Contoso should use Azure Search to create an Index for the claim data as it enters their system and augmented by the results of the text and image processing components.</a:t>
+              <a:t/>
             </a:r>
             <a:br>
               <a:rPr lang="en-US" sz="2400" dirty="0">
                 <a:latin typeface="+mn-lt"/>
               </a:rPr>
             </a:br>
-            <a:br>
-              <a:rPr lang="en-US" sz="2400" dirty="0"/>
-            </a:br>
-            <a:endParaRPr lang="en-US" sz="2400" dirty="0"/>
-          </a:p>
-          <a:p>
-            <a:pPr marL="0" indent="0">
-              <a:buNone/>
-            </a:pPr>
-            <a:r>
-              <a:rPr lang="en-US" sz="2800" dirty="0"/>
-              <a:t>Would they be able to keep their claims data in the existing database and layer in this search capability? If so, explain how.</a:t>
-            </a:r>
-          </a:p>
-          <a:p>
             <a:r>
               <a:rPr lang="en-US" sz="2400" dirty="0">
                 <a:latin typeface="+mn-lt"/>
               </a:rPr>
-              <a:t>Yes, the data in the Azure Search index would augment the data already stored in their SQL Database. The data in the Azure Search index would tie back to the data in SQL Database via values used as the primary key in the SQL Database (such as the claim ID, image ID, attachment ID, etc.).</a:t>
-            </a:r>
-            <a:br>
-              <a:rPr lang="en-US" sz="2400" dirty="0">
-                <a:latin typeface="+mn-lt"/>
-              </a:rPr>
-            </a:br>
+              <a:t/>
+            </a:r>
             <a:br>
               <a:rPr lang="en-US" sz="2400" dirty="0">
                 <a:latin typeface="+mn-lt"/>
@@ -20697,6 +22824,15 @@
               </a:rPr>
               <a:t>Preferred objections handling</a:t>
             </a:r>
+            <a:r>
+              <a:rPr lang="en-US" dirty="0">
+                <a:solidFill>
+                  <a:schemeClr val="tx1"/>
+                </a:solidFill>
+                <a:latin typeface="Segoe UI" panose="020B0502040204020203" pitchFamily="34" charset="0"/>
+              </a:rPr>
+              <a:t/>
+            </a:r>
             <a:br>
               <a:rPr lang="en-US" dirty="0">
                 <a:solidFill>
@@ -20726,8 +22862,8 @@
         </p:nvSpPr>
         <p:spPr>
           <a:xfrm>
-            <a:off x="269239" y="1189176"/>
-            <a:ext cx="11653523" cy="5179873"/>
+            <a:off x="269240" y="1189176"/>
+            <a:ext cx="11215190" cy="5179873"/>
           </a:xfrm>
         </p:spPr>
         <p:txBody>
@@ -20744,7 +22880,19 @@
             </a:pPr>
             <a:r>
               <a:rPr lang="en-US" sz="2800" dirty="0"/>
-              <a:t>We are skeptical about all the hype surrounding these “AI” solutions. It’s hard to know what is feasible versus what is pie-in-the-sky daydreaming and not possible with today’s technology and Azure.</a:t>
+              <a:t>We are skeptical about all the hype surrounding these “AI” solutions. It’s hard to know what is feasible versus what </a:t>
+            </a:r>
+            <a:r>
+              <a:rPr lang="en-US" sz="2800" dirty="0" smtClean="0"/>
+              <a:t>not </a:t>
+            </a:r>
+            <a:r>
+              <a:rPr lang="en-US" sz="2800" dirty="0"/>
+              <a:t>possible with today’s technology and </a:t>
+            </a:r>
+            <a:r>
+              <a:rPr lang="en-US" sz="2800" dirty="0" smtClean="0"/>
+              <a:t>Azure.</a:t>
             </a:r>
           </a:p>
           <a:p>
@@ -20760,8 +22908,59 @@
                 </a:solidFill>
                 <a:latin typeface="+mn-lt"/>
               </a:rPr>
-              <a:t>While it is true there is a lot of hype around AI, the ability to deploy solutions that use data, machine learning and deep learning to create an application with “AI” capabilities is real, and it is possible in Azure. </a:t>
-            </a:r>
+              <a:t>While it is true there is a lot of hype around AI, the ability to deploy solutions that use data, machine </a:t>
+            </a:r>
+            <a:r>
+              <a:rPr lang="en-US" sz="2400" dirty="0" smtClean="0">
+                <a:solidFill>
+                  <a:schemeClr val="tx1"/>
+                </a:solidFill>
+                <a:latin typeface="+mn-lt"/>
+              </a:rPr>
+              <a:t>learning, and </a:t>
+            </a:r>
+            <a:r>
+              <a:rPr lang="en-US" sz="2400" dirty="0">
+                <a:solidFill>
+                  <a:schemeClr val="tx1"/>
+                </a:solidFill>
+                <a:latin typeface="+mn-lt"/>
+              </a:rPr>
+              <a:t>deep learning to create an application with “AI” capabilities is real, and </a:t>
+            </a:r>
+            <a:r>
+              <a:rPr lang="en-US" sz="2400" dirty="0" smtClean="0">
+                <a:solidFill>
+                  <a:schemeClr val="tx1"/>
+                </a:solidFill>
+                <a:latin typeface="+mn-lt"/>
+              </a:rPr>
+              <a:t>is </a:t>
+            </a:r>
+            <a:r>
+              <a:rPr lang="en-US" sz="2400" dirty="0">
+                <a:solidFill>
+                  <a:schemeClr val="tx1"/>
+                </a:solidFill>
+                <a:latin typeface="+mn-lt"/>
+              </a:rPr>
+              <a:t>possible in </a:t>
+            </a:r>
+            <a:r>
+              <a:rPr lang="en-US" sz="2400" dirty="0" smtClean="0">
+                <a:solidFill>
+                  <a:schemeClr val="tx1"/>
+                </a:solidFill>
+                <a:latin typeface="+mn-lt"/>
+              </a:rPr>
+              <a:t>Azure</a:t>
+            </a:r>
+            <a:endParaRPr lang="en-US" sz="2400" dirty="0">
+              <a:solidFill>
+                <a:schemeClr val="tx1"/>
+              </a:solidFill>
+              <a:latin typeface="+mn-lt"/>
+            </a:endParaRPr>
           </a:p>
           <a:p>
             <a:pPr>
@@ -20770,14 +22969,56 @@
               </a:spcAft>
             </a:pPr>
             <a:r>
+              <a:rPr lang="en-US" sz="2400" dirty="0" smtClean="0">
+                <a:solidFill>
+                  <a:schemeClr val="tx1"/>
+                </a:solidFill>
+                <a:latin typeface="+mn-lt"/>
+              </a:rPr>
+              <a:t>Azure </a:t>
+            </a:r>
+            <a:r>
               <a:rPr lang="en-US" sz="2400" dirty="0">
                 <a:solidFill>
                   <a:schemeClr val="tx1"/>
                 </a:solidFill>
                 <a:latin typeface="+mn-lt"/>
               </a:rPr>
-              <a:t>Azure provides a wide range of services to address the needs of AI from pre-built AI capabilities in Cognitive Services to services that help you to build, train and deploy your custom AI capabilities using Azure Machine Learning and other services from the Microsoft AI stack.</a:t>
-            </a:r>
+              <a:t>provides a wide range of services to address the needs of AI from pre-built AI capabilities in Cognitive Services to services that help you to build, </a:t>
+            </a:r>
+            <a:r>
+              <a:rPr lang="en-US" sz="2400" dirty="0" smtClean="0">
+                <a:solidFill>
+                  <a:schemeClr val="tx1"/>
+                </a:solidFill>
+                <a:latin typeface="+mn-lt"/>
+              </a:rPr>
+              <a:t>train, </a:t>
+            </a:r>
+            <a:r>
+              <a:rPr lang="en-US" sz="2400" dirty="0">
+                <a:solidFill>
+                  <a:schemeClr val="tx1"/>
+                </a:solidFill>
+                <a:latin typeface="+mn-lt"/>
+              </a:rPr>
+              <a:t>and deploy your custom AI capabilities using Azure Machine Learning and other services from the Microsoft AI </a:t>
+            </a:r>
+            <a:r>
+              <a:rPr lang="en-US" sz="2400" dirty="0" smtClean="0">
+                <a:solidFill>
+                  <a:schemeClr val="tx1"/>
+                </a:solidFill>
+                <a:latin typeface="+mn-lt"/>
+              </a:rPr>
+              <a:t>stack</a:t>
+            </a:r>
+            <a:endParaRPr lang="en-US" sz="2400" dirty="0">
+              <a:solidFill>
+                <a:schemeClr val="tx1"/>
+              </a:solidFill>
+              <a:latin typeface="+mn-lt"/>
+            </a:endParaRPr>
           </a:p>
         </p:txBody>
       </p:sp>
@@ -21025,7 +23266,25 @@
                 </a:solidFill>
                 <a:cs typeface="Segoe UI" panose="020B0502040204020203" pitchFamily="34" charset="0"/>
               </a:rPr>
-              <a:t>Preferred objections handling - continued</a:t>
+              <a:t>Preferred objections </a:t>
+            </a:r>
+            <a:r>
+              <a:rPr lang="en-US" sz="4900" dirty="0" smtClean="0">
+                <a:solidFill>
+                  <a:schemeClr val="tx1"/>
+                </a:solidFill>
+                <a:cs typeface="Segoe UI" panose="020B0502040204020203" pitchFamily="34" charset="0"/>
+              </a:rPr>
+              <a:t>handling</a:t>
+            </a:r>
+            <a:r>
+              <a:rPr lang="en-US" dirty="0">
+                <a:solidFill>
+                  <a:schemeClr val="tx1"/>
+                </a:solidFill>
+                <a:latin typeface="Segoe UI" panose="020B0502040204020203" pitchFamily="34" charset="0"/>
+              </a:rPr>
+              <a:t/>
             </a:r>
             <a:br>
               <a:rPr lang="en-US" dirty="0">
@@ -21056,8 +23315,8 @@
         </p:nvSpPr>
         <p:spPr>
           <a:xfrm>
-            <a:off x="269239" y="1189176"/>
-            <a:ext cx="11653523" cy="5179873"/>
+            <a:off x="269240" y="1189176"/>
+            <a:ext cx="10649132" cy="5179873"/>
           </a:xfrm>
         </p:spPr>
         <p:txBody>
@@ -21090,8 +23349,23 @@
                 </a:solidFill>
                 <a:latin typeface="+mn-lt"/>
               </a:rPr>
-              <a:t>You should consider pre-built AI options first, and only having ruled them out as not fitting your requirements should you then explore the custom AI options. </a:t>
-            </a:r>
+              <a:t>You should consider pre-built AI options first, and only having ruled them out as not fitting your requirements should you then explore the custom AI </a:t>
+            </a:r>
+            <a:r>
+              <a:rPr lang="en-US" sz="2400" dirty="0" smtClean="0">
+                <a:solidFill>
+                  <a:schemeClr val="tx1"/>
+                </a:solidFill>
+                <a:latin typeface="+mn-lt"/>
+              </a:rPr>
+              <a:t>options</a:t>
+            </a:r>
+            <a:endParaRPr lang="en-US" sz="2400" dirty="0">
+              <a:solidFill>
+                <a:schemeClr val="tx1"/>
+              </a:solidFill>
+              <a:latin typeface="+mn-lt"/>
+            </a:endParaRPr>
           </a:p>
           <a:p>
             <a:pPr>
@@ -21106,8 +23380,23 @@
                 </a:solidFill>
                 <a:latin typeface="+mn-lt"/>
               </a:rPr>
-              <a:t>The advantage of pre-built AI options like Cognitive Services is that the models they use under the covers do not need to be trained by you, and you do not need to have the data to train them as a pre-requisite.</a:t>
-            </a:r>
+              <a:t>The advantage of pre-built AI options like Cognitive Services is that the models they use under the covers do not need to be trained by you, and you do not need to have the data to train them as a </a:t>
+            </a:r>
+            <a:r>
+              <a:rPr lang="en-US" sz="2400" dirty="0" smtClean="0">
+                <a:solidFill>
+                  <a:schemeClr val="tx1"/>
+                </a:solidFill>
+                <a:latin typeface="+mn-lt"/>
+              </a:rPr>
+              <a:t>pre-requisite</a:t>
+            </a:r>
+            <a:endParaRPr lang="en-US" sz="2400" dirty="0">
+              <a:solidFill>
+                <a:schemeClr val="tx1"/>
+              </a:solidFill>
+              <a:latin typeface="+mn-lt"/>
+            </a:endParaRPr>
           </a:p>
         </p:txBody>
       </p:sp>
@@ -21162,28 +23451,27 @@
         <p:spPr/>
         <p:txBody>
           <a:bodyPr>
-            <a:normAutofit fontScale="90000"/>
+            <a:normAutofit/>
           </a:bodyPr>
           <a:lstStyle/>
           <a:p>
             <a:r>
-              <a:rPr lang="en-US" sz="4900" dirty="0">
+              <a:rPr lang="en-US" sz="4400" dirty="0">
                 <a:solidFill>
                   <a:schemeClr val="tx1"/>
                 </a:solidFill>
-                <a:cs typeface="Segoe UI" panose="020B0502040204020203" pitchFamily="34" charset="0"/>
-              </a:rPr>
-              <a:t>Preferred objections handling - continued</a:t>
-            </a:r>
-            <a:br>
-              <a:rPr lang="en-US" dirty="0">
+              </a:rPr>
+              <a:t>Preferred objections </a:t>
+            </a:r>
+            <a:r>
+              <a:rPr lang="en-US" sz="4400" dirty="0" smtClean="0">
                 <a:solidFill>
                   <a:schemeClr val="tx1"/>
                 </a:solidFill>
-                <a:latin typeface="Segoe UI" panose="020B0502040204020203" pitchFamily="34" charset="0"/>
-              </a:rPr>
-            </a:br>
-            <a:endParaRPr lang="en-US" sz="3236" dirty="0">
+              </a:rPr>
+              <a:t>handling</a:t>
+            </a:r>
+            <a:endParaRPr lang="en-US" sz="4400" dirty="0">
               <a:solidFill>
                 <a:schemeClr val="tx1"/>
               </a:solidFill>
@@ -21205,7 +23493,7 @@
         <p:spPr>
           <a:xfrm>
             <a:off x="269239" y="1189176"/>
-            <a:ext cx="11653523" cy="5179873"/>
+            <a:ext cx="11160761" cy="5179873"/>
           </a:xfrm>
         </p:spPr>
         <p:txBody>
@@ -21238,8 +23526,23 @@
                 </a:solidFill>
                 <a:latin typeface="+mn-lt"/>
               </a:rPr>
-              <a:t>Both TensorFlow and the Microsoft Cognitive Toolkit solve similar problems and have been used successfully by many companies for deep learning. </a:t>
-            </a:r>
+              <a:t>Both TensorFlow and the Microsoft Cognitive Toolkit solve similar problems and have been used successfully by many companies for deep </a:t>
+            </a:r>
+            <a:r>
+              <a:rPr lang="en-US" sz="2400" dirty="0" smtClean="0">
+                <a:solidFill>
+                  <a:schemeClr val="tx1"/>
+                </a:solidFill>
+                <a:latin typeface="+mn-lt"/>
+              </a:rPr>
+              <a:t>learning</a:t>
+            </a:r>
+            <a:endParaRPr lang="en-US" sz="2400" dirty="0">
+              <a:solidFill>
+                <a:schemeClr val="tx1"/>
+              </a:solidFill>
+              <a:latin typeface="+mn-lt"/>
+            </a:endParaRPr>
           </a:p>
           <a:p>
             <a:pPr>
@@ -21254,8 +23557,41 @@
                 </a:solidFill>
                 <a:latin typeface="+mn-lt"/>
               </a:rPr>
-              <a:t>At present, it appears that TensorFlow has a much larger community interest level which can be measured by the number of stars it has in its GitHub project (which is an order of magnitude larger than that of the Microsoft Cognitive Toolkit). </a:t>
-            </a:r>
+              <a:t>At present, it appears that TensorFlow has a much larger community interest </a:t>
+            </a:r>
+            <a:r>
+              <a:rPr lang="en-US" sz="2400" dirty="0" smtClean="0">
+                <a:solidFill>
+                  <a:schemeClr val="tx1"/>
+                </a:solidFill>
+                <a:latin typeface="+mn-lt"/>
+              </a:rPr>
+              <a:t>level, </a:t>
+            </a:r>
+            <a:r>
+              <a:rPr lang="en-US" sz="2400" dirty="0">
+                <a:solidFill>
+                  <a:schemeClr val="tx1"/>
+                </a:solidFill>
+                <a:latin typeface="+mn-lt"/>
+              </a:rPr>
+              <a:t>which can be measured by the number of stars it has in its GitHub project (which is an order of magnitude larger than that of the Microsoft Cognitive Toolkit</a:t>
+            </a:r>
+            <a:r>
+              <a:rPr lang="en-US" sz="2400" dirty="0" smtClean="0">
+                <a:solidFill>
+                  <a:schemeClr val="tx1"/>
+                </a:solidFill>
+                <a:latin typeface="+mn-lt"/>
+              </a:rPr>
+              <a:t>)</a:t>
+            </a:r>
+            <a:endParaRPr lang="en-US" sz="2400" dirty="0">
+              <a:solidFill>
+                <a:schemeClr val="tx1"/>
+              </a:solidFill>
+              <a:latin typeface="+mn-lt"/>
+            </a:endParaRPr>
           </a:p>
           <a:p>
             <a:pPr>
@@ -21270,8 +23606,68 @@
                 </a:solidFill>
                 <a:latin typeface="+mn-lt"/>
               </a:rPr>
-              <a:t>The size of the community means that is likely you will more easily find help online for issues with TensorFlow versus the Microsoft Cognitive Toolkit, which may be a good reason to start with TensorFlow. </a:t>
-            </a:r>
+              <a:t>The size of the community means that is likely you will more easily find help online for issues with </a:t>
+            </a:r>
+            <a:r>
+              <a:rPr lang="en-US" sz="2400" dirty="0" err="1" smtClean="0">
+                <a:solidFill>
+                  <a:schemeClr val="tx1"/>
+                </a:solidFill>
+                <a:latin typeface="+mn-lt"/>
+              </a:rPr>
+              <a:t>TensorFlow</a:t>
+            </a:r>
+            <a:r>
+              <a:rPr lang="en-US" sz="2400" dirty="0" smtClean="0">
+                <a:solidFill>
+                  <a:schemeClr val="tx1"/>
+                </a:solidFill>
+                <a:latin typeface="+mn-lt"/>
+              </a:rPr>
+              <a:t> versus </a:t>
+            </a:r>
+            <a:r>
+              <a:rPr lang="en-US" sz="2400" dirty="0">
+                <a:solidFill>
+                  <a:schemeClr val="tx1"/>
+                </a:solidFill>
+                <a:latin typeface="+mn-lt"/>
+              </a:rPr>
+              <a:t>the Microsoft Cognitive Toolkit, which </a:t>
+            </a:r>
+            <a:r>
+              <a:rPr lang="en-US" sz="2400" dirty="0" smtClean="0">
+                <a:solidFill>
+                  <a:schemeClr val="tx1"/>
+                </a:solidFill>
+                <a:latin typeface="+mn-lt"/>
+              </a:rPr>
+              <a:t>is why it may </a:t>
+            </a:r>
+            <a:r>
+              <a:rPr lang="en-US" sz="2400" dirty="0">
+                <a:solidFill>
+                  <a:schemeClr val="tx1"/>
+                </a:solidFill>
+                <a:latin typeface="+mn-lt"/>
+              </a:rPr>
+              <a:t>be a good reason to start with </a:t>
+            </a:r>
+            <a:r>
+              <a:rPr lang="en-US" sz="2400" dirty="0" err="1" smtClean="0">
+                <a:solidFill>
+                  <a:schemeClr val="tx1"/>
+                </a:solidFill>
+                <a:latin typeface="+mn-lt"/>
+              </a:rPr>
+              <a:t>TensorFlow</a:t>
+            </a:r>
+            <a:endParaRPr lang="en-US" sz="2400" dirty="0">
+              <a:solidFill>
+                <a:schemeClr val="tx1"/>
+              </a:solidFill>
+              <a:latin typeface="+mn-lt"/>
+            </a:endParaRPr>
           </a:p>
         </p:txBody>
       </p:sp>
@@ -21338,6 +23734,15 @@
                 <a:cs typeface="Segoe UI" panose="020B0502040204020203" pitchFamily="34" charset="0"/>
               </a:rPr>
               <a:t>Customer quote</a:t>
+            </a:r>
+            <a:r>
+              <a:rPr lang="en-US" dirty="0">
+                <a:solidFill>
+                  <a:schemeClr val="tx1"/>
+                </a:solidFill>
+                <a:latin typeface="Segoe UI" panose="020B0502040204020203" pitchFamily="34" charset="0"/>
+              </a:rPr>
+              <a:t/>
             </a:r>
             <a:br>
               <a:rPr lang="en-US" dirty="0">
@@ -21556,6 +23961,15 @@
               </a:rPr>
               <a:t>Customer situation</a:t>
             </a:r>
+            <a:r>
+              <a:rPr lang="en-US" dirty="0">
+                <a:solidFill>
+                  <a:schemeClr val="tx1"/>
+                </a:solidFill>
+                <a:latin typeface="Segoe UI" panose="020B0502040204020203" pitchFamily="34" charset="0"/>
+              </a:rPr>
+              <a:t/>
+            </a:r>
             <a:br>
               <a:rPr lang="en-US" dirty="0">
                 <a:solidFill>
@@ -21607,6 +24021,15 @@
               </a:rPr>
               <a:t>Contoso Ltd, operating in the United States, provides insurance packages for U.S. consumers. They are:</a:t>
             </a:r>
+            <a:r>
+              <a:rPr lang="en-US" sz="2800" dirty="0">
+                <a:solidFill>
+                  <a:schemeClr val="tx1"/>
+                </a:solidFill>
+                <a:latin typeface="+mn-lt"/>
+              </a:rPr>
+              <a:t/>
+            </a:r>
             <a:br>
               <a:rPr lang="en-US" sz="2800" dirty="0">
                 <a:solidFill>
@@ -21630,13 +24053,22 @@
                 </a:solidFill>
                 <a:latin typeface="+mn-lt"/>
               </a:rPr>
-              <a:t>Looking to build a next-generation platform for its insurance products</a:t>
+              <a:t>Looking to build a next-generation platform for its insurance </a:t>
+            </a:r>
+            <a:r>
+              <a:rPr lang="en-US" sz="2400" dirty="0" smtClean="0">
+                <a:solidFill>
+                  <a:schemeClr val="tx1"/>
+                </a:solidFill>
+                <a:latin typeface="+mn-lt"/>
+              </a:rPr>
+              <a:t>products</a:t>
             </a:r>
             <a:r>
               <a:rPr lang="en-US" sz="2400" dirty="0">
                 <a:latin typeface="+mn-lt"/>
               </a:rPr>
-              <a:t>.</a:t>
+              <a:t/>
             </a:r>
             <a:br>
               <a:rPr lang="en-US" sz="2400" dirty="0">
@@ -21655,13 +24087,22 @@
                 </a:solidFill>
                 <a:latin typeface="+mn-lt"/>
               </a:rPr>
-              <a:t>Have identified claims processing as the area of focus</a:t>
+              <a:t>Have identified claims processing as the area of </a:t>
+            </a:r>
+            <a:r>
+              <a:rPr lang="en-US" sz="2400" dirty="0" smtClean="0">
+                <a:solidFill>
+                  <a:schemeClr val="tx1"/>
+                </a:solidFill>
+                <a:latin typeface="+mn-lt"/>
+              </a:rPr>
+              <a:t>focus</a:t>
             </a:r>
             <a:r>
               <a:rPr lang="en-US" sz="2400" dirty="0">
                 <a:latin typeface="+mn-lt"/>
               </a:rPr>
-              <a:t>.</a:t>
+              <a:t/>
             </a:r>
             <a:br>
               <a:rPr lang="en-US" sz="2400" dirty="0">
@@ -21680,7 +24121,25 @@
                 </a:solidFill>
                 <a:latin typeface="+mn-lt"/>
               </a:rPr>
-              <a:t>Concerned that it currently takes significant time for an agent to read through and process the content submitted with each claim. </a:t>
+              <a:t>Concerned that it currently takes significant time for an agent to read through and process the content submitted with each </a:t>
+            </a:r>
+            <a:r>
+              <a:rPr lang="en-US" sz="2400" dirty="0" smtClean="0">
+                <a:solidFill>
+                  <a:schemeClr val="tx1"/>
+                </a:solidFill>
+                <a:latin typeface="+mn-lt"/>
+              </a:rPr>
+              <a:t>claim</a:t>
+            </a:r>
+            <a:r>
+              <a:rPr lang="en-US" sz="2400" dirty="0">
+                <a:solidFill>
+                  <a:schemeClr val="tx1"/>
+                </a:solidFill>
+                <a:latin typeface="+mn-lt"/>
+              </a:rPr>
+              <a:t/>
             </a:r>
             <a:br>
               <a:rPr lang="en-US" sz="2400" dirty="0">
@@ -21705,7 +24164,25 @@
                 </a:solidFill>
                 <a:latin typeface="+mn-lt"/>
               </a:rPr>
-              <a:t>Finding that it is difficult for agents to find particular claim artifacts when returning to a claim after a while.</a:t>
+              <a:t>Finding that it is difficult for agents to find particular claim artifacts when returning to a claim after a </a:t>
+            </a:r>
+            <a:r>
+              <a:rPr lang="en-US" sz="2400" dirty="0" smtClean="0">
+                <a:solidFill>
+                  <a:schemeClr val="tx1"/>
+                </a:solidFill>
+                <a:latin typeface="+mn-lt"/>
+              </a:rPr>
+              <a:t>while</a:t>
+            </a:r>
+            <a:r>
+              <a:rPr lang="en-US" sz="2400" dirty="0">
+                <a:solidFill>
+                  <a:schemeClr val="tx1"/>
+                </a:solidFill>
+                <a:latin typeface="+mn-lt"/>
+              </a:rPr>
+              <a:t/>
             </a:r>
             <a:br>
               <a:rPr lang="en-US" sz="2400" dirty="0">
@@ -21715,6 +24192,15 @@
                 <a:latin typeface="+mn-lt"/>
               </a:rPr>
             </a:br>
+            <a:r>
+              <a:rPr lang="en-US" sz="2400" dirty="0">
+                <a:solidFill>
+                  <a:schemeClr val="tx1"/>
+                </a:solidFill>
+                <a:latin typeface="+mn-lt"/>
+              </a:rPr>
+              <a:t/>
+            </a:r>
             <a:br>
               <a:rPr lang="en-US" sz="2400" dirty="0">
                 <a:solidFill>
@@ -21723,6 +24209,15 @@
                 <a:latin typeface="+mn-lt"/>
               </a:rPr>
             </a:br>
+            <a:r>
+              <a:rPr lang="en-US" sz="2400" dirty="0">
+                <a:solidFill>
+                  <a:schemeClr val="tx1"/>
+                </a:solidFill>
+                <a:latin typeface="+mn-lt"/>
+              </a:rPr>
+              <a:t/>
+            </a:r>
             <a:br>
               <a:rPr lang="en-US" sz="2400" dirty="0">
                 <a:solidFill>
@@ -21781,7 +24276,7 @@
                   <a14:useLocalDpi xmlns:a14="http://schemas.microsoft.com/office/drawing/2010/main" val="0"/>
                 </a:ext>
                 <a:ext uri="{96DAC541-7B7A-43D3-8B79-37D633B846F1}">
-                  <asvg:svgBlip xmlns:asvg="http://schemas.microsoft.com/office/drawing/2016/SVG/main" r:embed="rId4"/>
+                  <asvg:svgBlip xmlns:asvg="http://schemas.microsoft.com/office/drawing/2016/SVG/main" xmlns="" r:embed="rId4"/>
                 </a:ext>
               </a:extLst>
             </a:blip>
@@ -21820,7 +24315,7 @@
                   <a14:useLocalDpi xmlns:a14="http://schemas.microsoft.com/office/drawing/2010/main" val="0"/>
                 </a:ext>
                 <a:ext uri="{96DAC541-7B7A-43D3-8B79-37D633B846F1}">
-                  <asvg:svgBlip xmlns:asvg="http://schemas.microsoft.com/office/drawing/2016/SVG/main" r:embed="rId6"/>
+                  <asvg:svgBlip xmlns:asvg="http://schemas.microsoft.com/office/drawing/2016/SVG/main" xmlns="" r:embed="rId6"/>
                 </a:ext>
               </a:extLst>
             </a:blip>
@@ -21903,6 +24398,15 @@
               </a:rPr>
               <a:t>Customer situation</a:t>
             </a:r>
+            <a:r>
+              <a:rPr lang="en-US" dirty="0">
+                <a:solidFill>
+                  <a:schemeClr val="tx1"/>
+                </a:solidFill>
+                <a:latin typeface="Segoe UI" panose="020B0502040204020203" pitchFamily="34" charset="0"/>
+              </a:rPr>
+              <a:t/>
+            </a:r>
             <a:br>
               <a:rPr lang="en-US" dirty="0">
                 <a:solidFill>
@@ -21949,6 +24453,10 @@
               <a:rPr lang="en-US" sz="3600" dirty="0"/>
               <a:t>Two sets of issues where they envision amplifying the capabilities of their agents with AI:</a:t>
             </a:r>
+            <a:r>
+              <a:rPr lang="en-US" sz="2800" dirty="0"/>
+              <a:t/>
+            </a:r>
             <a:br>
               <a:rPr lang="en-US" sz="2800" dirty="0"/>
             </a:br>
@@ -21956,45 +24464,6 @@
           </a:p>
         </p:txBody>
       </p:sp>
-      <p:pic>
-        <p:nvPicPr>
-          <p:cNvPr id="6" name="Graphic 5" descr="Camera icon" title="Camera icon">
-            <a:extLst>
-              <a:ext uri="{FF2B5EF4-FFF2-40B4-BE49-F238E27FC236}">
-                <a16:creationId xmlns:a16="http://schemas.microsoft.com/office/drawing/2014/main" id="{CB31A0D8-66D0-4EA6-85BA-5BDB60A60FB5}"/>
-              </a:ext>
-            </a:extLst>
-          </p:cNvPr>
-          <p:cNvPicPr>
-            <a:picLocks noChangeAspect="1"/>
-          </p:cNvPicPr>
-          <p:nvPr/>
-        </p:nvPicPr>
-        <p:blipFill>
-          <a:blip r:embed="rId3" cstate="print">
-            <a:extLst>
-              <a:ext uri="{28A0092B-C50C-407E-A947-70E740481C1C}">
-                <a14:useLocalDpi xmlns:a14="http://schemas.microsoft.com/office/drawing/2010/main" val="0"/>
-              </a:ext>
-              <a:ext uri="{96DAC541-7B7A-43D3-8B79-37D633B846F1}">
-                <asvg:svgBlip xmlns:asvg="http://schemas.microsoft.com/office/drawing/2016/SVG/main" r:embed="rId4"/>
-              </a:ext>
-            </a:extLst>
-          </a:blip>
-          <a:stretch>
-            <a:fillRect/>
-          </a:stretch>
-        </p:blipFill>
-        <p:spPr>
-          <a:xfrm>
-            <a:off x="759386" y="4625853"/>
-            <a:ext cx="1486376" cy="1486376"/>
-          </a:xfrm>
-          <a:prstGeom prst="rect">
-            <a:avLst/>
-          </a:prstGeom>
-        </p:spPr>
-      </p:pic>
       <p:sp>
         <p:nvSpPr>
           <p:cNvPr id="10" name="Content Placeholder 2">
@@ -22272,6 +24741,10 @@
               <a:rPr lang="en-US" sz="2400" dirty="0"/>
               <a:t>Summarize long claim text</a:t>
             </a:r>
+            <a:r>
+              <a:rPr lang="en-US" sz="2000" dirty="0"/>
+              <a:t/>
+            </a:r>
             <a:br>
               <a:rPr lang="en-US" sz="2000" dirty="0"/>
             </a:br>
@@ -22305,9 +24778,21 @@
               <a:rPr lang="en-US" sz="2400" dirty="0"/>
               <a:t>Extracting any text in the image</a:t>
             </a:r>
+            <a:r>
+              <a:rPr lang="en-US" sz="1232" dirty="0"/>
+              <a:t/>
+            </a:r>
             <a:br>
               <a:rPr lang="en-US" sz="1232" dirty="0"/>
             </a:br>
+            <a:r>
+              <a:rPr lang="en-US" sz="1232" dirty="0">
+                <a:solidFill>
+                  <a:schemeClr val="tx1"/>
+                </a:solidFill>
+              </a:rPr>
+              <a:t/>
+            </a:r>
             <a:br>
               <a:rPr lang="en-US" sz="1232" dirty="0">
                 <a:solidFill>
@@ -22315,6 +24800,14 @@
                 </a:solidFill>
               </a:rPr>
             </a:br>
+            <a:r>
+              <a:rPr lang="en-US" sz="1232" dirty="0">
+                <a:solidFill>
+                  <a:schemeClr val="tx1"/>
+                </a:solidFill>
+              </a:rPr>
+              <a:t/>
+            </a:r>
             <a:br>
               <a:rPr lang="en-US" sz="1232" dirty="0">
                 <a:solidFill>
@@ -22330,6 +24823,45 @@
           </a:p>
         </p:txBody>
       </p:sp>
+      <p:pic>
+        <p:nvPicPr>
+          <p:cNvPr id="6" name="Graphic 5" descr="Camera icon" title="Camera icon">
+            <a:extLst>
+              <a:ext uri="{FF2B5EF4-FFF2-40B4-BE49-F238E27FC236}">
+                <a16:creationId xmlns:a16="http://schemas.microsoft.com/office/drawing/2014/main" id="{CB31A0D8-66D0-4EA6-85BA-5BDB60A60FB5}"/>
+              </a:ext>
+            </a:extLst>
+          </p:cNvPr>
+          <p:cNvPicPr>
+            <a:picLocks noChangeAspect="1"/>
+          </p:cNvPicPr>
+          <p:nvPr/>
+        </p:nvPicPr>
+        <p:blipFill>
+          <a:blip r:embed="rId3" cstate="print">
+            <a:extLst>
+              <a:ext uri="{28A0092B-C50C-407E-A947-70E740481C1C}">
+                <a14:useLocalDpi xmlns:a14="http://schemas.microsoft.com/office/drawing/2010/main" val="0"/>
+              </a:ext>
+              <a:ext uri="{96DAC541-7B7A-43D3-8B79-37D633B846F1}">
+                <asvg:svgBlip xmlns:asvg="http://schemas.microsoft.com/office/drawing/2016/SVG/main" xmlns="" r:embed="rId4"/>
+              </a:ext>
+            </a:extLst>
+          </a:blip>
+          <a:stretch>
+            <a:fillRect/>
+          </a:stretch>
+        </p:blipFill>
+        <p:spPr>
+          <a:xfrm>
+            <a:off x="759386" y="4625853"/>
+            <a:ext cx="1486376" cy="1486376"/>
+          </a:xfrm>
+          <a:prstGeom prst="rect">
+            <a:avLst/>
+          </a:prstGeom>
+        </p:spPr>
+      </p:pic>
       <p:pic>
         <p:nvPicPr>
           <p:cNvPr id="9" name="Graphic 8" descr="Document icon" title="Document icon">
@@ -22351,7 +24883,7 @@
                 <a14:useLocalDpi xmlns:a14="http://schemas.microsoft.com/office/drawing/2010/main" val="0"/>
               </a:ext>
               <a:ext uri="{96DAC541-7B7A-43D3-8B79-37D633B846F1}">
-                <asvg:svgBlip xmlns:asvg="http://schemas.microsoft.com/office/drawing/2016/SVG/main" r:embed="rId6"/>
+                <asvg:svgBlip xmlns:asvg="http://schemas.microsoft.com/office/drawing/2016/SVG/main" xmlns="" r:embed="rId6"/>
               </a:ext>
             </a:extLst>
           </a:blip>
@@ -22433,6 +24965,15 @@
               </a:rPr>
               <a:t>Customer needs</a:t>
             </a:r>
+            <a:r>
+              <a:rPr lang="en-US" dirty="0">
+                <a:solidFill>
+                  <a:schemeClr val="tx1"/>
+                </a:solidFill>
+                <a:latin typeface="Segoe UI" panose="020B0502040204020203" pitchFamily="34" charset="0"/>
+              </a:rPr>
+              <a:t/>
+            </a:r>
             <a:br>
               <a:rPr lang="en-US" dirty="0">
                 <a:solidFill>
@@ -22489,7 +25030,31 @@
               <a:rPr lang="en-US" sz="2400" dirty="0">
                 <a:latin typeface="+mn-lt"/>
               </a:rPr>
-              <a:t>We need a solution that can “look” at a photo and give us a description of the content of the photo and tag the photo with keywords so agents can more easily find and refer to the photo later.</a:t>
+              <a:t>We need a solution that can “look” at a photo and give us a description of the content of the </a:t>
+            </a:r>
+            <a:r>
+              <a:rPr lang="en-US" sz="2400" dirty="0" smtClean="0">
+                <a:latin typeface="+mn-lt"/>
+              </a:rPr>
+              <a:t>photo, and </a:t>
+            </a:r>
+            <a:r>
+              <a:rPr lang="en-US" sz="2400" dirty="0">
+                <a:latin typeface="+mn-lt"/>
+              </a:rPr>
+              <a:t>tag the photo with keywords so agents can more easily find and refer to the photo </a:t>
+            </a:r>
+            <a:r>
+              <a:rPr lang="en-US" sz="2400" dirty="0" smtClean="0">
+                <a:latin typeface="+mn-lt"/>
+              </a:rPr>
+              <a:t>later</a:t>
+            </a:r>
+            <a:r>
+              <a:rPr lang="en-US" sz="2400" dirty="0">
+                <a:latin typeface="+mn-lt"/>
+              </a:rPr>
+              <a:t/>
             </a:r>
             <a:br>
               <a:rPr lang="en-US" sz="2400" dirty="0">
@@ -22626,7 +25191,21 @@
                 <a:latin typeface="+mn-lt"/>
                 <a:cs typeface="Segoe UI Light" panose="020B0502040204020203" pitchFamily="34" charset="0"/>
               </a:rPr>
-              <a:t>We are skeptical about all the hype surrounding these “AI” solutions. It’s hard to know what is feasible versus what is pie-in-the-sky daydreaming and not possible with today’s technology and Azure.</a:t>
+              <a:t>We are skeptical about all the hype surrounding these “AI” solutions. It’s hard to know what is feasible versus what </a:t>
+            </a:r>
+            <a:r>
+              <a:rPr lang="en-US" sz="2800" dirty="0" smtClean="0">
+                <a:latin typeface="+mn-lt"/>
+                <a:cs typeface="Segoe UI Light" panose="020B0502040204020203" pitchFamily="34" charset="0"/>
+              </a:rPr>
+              <a:t>is not </a:t>
+            </a:r>
+            <a:r>
+              <a:rPr lang="en-US" sz="2800" dirty="0">
+                <a:latin typeface="+mn-lt"/>
+                <a:cs typeface="Segoe UI Light" panose="020B0502040204020203" pitchFamily="34" charset="0"/>
+              </a:rPr>
+              <a:t>possible with today’s technology and Azure.</a:t>
             </a:r>
             <a:br>
               <a:rPr lang="en-US" sz="2800" dirty="0">
@@ -22666,7 +25245,21 @@
                 <a:latin typeface="+mn-lt"/>
                 <a:cs typeface="Segoe UI Light" panose="020B0502040204020203" pitchFamily="34" charset="0"/>
               </a:rPr>
-              <a:t>We expect some part of our solution would require deep learning, do you have any prescriptive guidance on how we might choose between investing in learning and using TensorFlow or the Microsoft Cognitive Toolkit (CNTK)?</a:t>
+              <a:t>We expect some part of our solution would require deep </a:t>
+            </a:r>
+            <a:r>
+              <a:rPr lang="en-US" sz="2800" dirty="0" smtClean="0">
+                <a:latin typeface="+mn-lt"/>
+                <a:cs typeface="Segoe UI Light" panose="020B0502040204020203" pitchFamily="34" charset="0"/>
+              </a:rPr>
+              <a:t>learning; do </a:t>
+            </a:r>
+            <a:r>
+              <a:rPr lang="en-US" sz="2800" dirty="0">
+                <a:latin typeface="+mn-lt"/>
+                <a:cs typeface="Segoe UI Light" panose="020B0502040204020203" pitchFamily="34" charset="0"/>
+              </a:rPr>
+              <a:t>you have any prescriptive guidance on how we might choose between investing in learning and using TensorFlow or the Microsoft Cognitive Toolkit (CNTK)?</a:t>
             </a:r>
           </a:p>
           <a:p>
@@ -22748,6 +25341,15 @@
               </a:rPr>
               <a:t>Common scenarios</a:t>
             </a:r>
+            <a:r>
+              <a:rPr lang="en-US" dirty="0">
+                <a:solidFill>
+                  <a:schemeClr val="tx1"/>
+                </a:solidFill>
+                <a:latin typeface="Segoe UI" panose="020B0502040204020203" pitchFamily="34" charset="0"/>
+              </a:rPr>
+              <a:t/>
+            </a:r>
             <a:br>
               <a:rPr lang="en-US" dirty="0">
                 <a:solidFill>
@@ -22767,14 +25369,10 @@
       </p:sp>
       <p:pic>
         <p:nvPicPr>
-          <p:cNvPr id="6" name="Picture 5" descr="In the Traning a classification model with text diagram, Document labels points to Supervised ML or DL Algorithm, which points to Classification Model. Documents points to Text Normalization, which points to Feature Extraction, which points to Supervised ML or DL Algorithm. Vectors points to a table of words and percentages." title="Traning a classification model with text diagram">
-            <a:extLst>
-              <a:ext uri="{FF2B5EF4-FFF2-40B4-BE49-F238E27FC236}">
-                <a16:creationId xmlns:a16="http://schemas.microsoft.com/office/drawing/2014/main" id="{E43A49DB-DDAF-42B6-B094-322A76587156}"/>
-              </a:ext>
-            </a:extLst>
-          </p:cNvPr>
-          <p:cNvPicPr/>
+          <p:cNvPr id="14" name="Picture 13" descr="In the Traning a classification model with text diagram, Document labels points to Supervised ML or DL Algorithm, which points to Classification Model. Documents points to Text Normalization, which points to Feature Extraction, which points to Supervised ML or DL Algorithm. Vectors points to a table of words and percentages." title="Traning a classification model with text diagram"/>
+          <p:cNvPicPr>
+            <a:picLocks noChangeAspect="1"/>
+          </p:cNvPicPr>
           <p:nvPr/>
         </p:nvPicPr>
         <p:blipFill>
@@ -22791,20 +25389,12 @@
         </p:blipFill>
         <p:spPr>
           <a:xfrm>
-            <a:off x="1532539" y="1189176"/>
-            <a:ext cx="9144000" cy="5191423"/>
+            <a:off x="1419432" y="1189176"/>
+            <a:ext cx="9169179" cy="5218628"/>
           </a:xfrm>
           <a:prstGeom prst="rect">
             <a:avLst/>
           </a:prstGeom>
-          <a:ln>
-            <a:solidFill>
-              <a:schemeClr val="tx1">
-                <a:lumMod val="60000"/>
-                <a:lumOff val="40000"/>
-              </a:schemeClr>
-            </a:solidFill>
-          </a:ln>
         </p:spPr>
       </p:pic>
     </p:spTree>
@@ -22858,7 +25448,7 @@
         <p:spPr/>
         <p:txBody>
           <a:bodyPr>
-            <a:normAutofit fontScale="90000"/>
+            <a:normAutofit/>
           </a:bodyPr>
           <a:lstStyle/>
           <a:p>
@@ -22869,16 +25459,17 @@
                 </a:solidFill>
                 <a:cs typeface="Segoe UI" panose="020B0502040204020203" pitchFamily="34" charset="0"/>
               </a:rPr>
-              <a:t>Common scenarios - continued</a:t>
-            </a:r>
-            <a:br>
-              <a:rPr lang="en-US" dirty="0">
+              <a:t>Common </a:t>
+            </a:r>
+            <a:r>
+              <a:rPr lang="en-US" sz="4900" dirty="0" smtClean="0">
                 <a:solidFill>
                   <a:schemeClr val="tx1"/>
                 </a:solidFill>
-                <a:latin typeface="Segoe UI" panose="020B0502040204020203" pitchFamily="34" charset="0"/>
-              </a:rPr>
-            </a:br>
+                <a:cs typeface="Segoe UI" panose="020B0502040204020203" pitchFamily="34" charset="0"/>
+              </a:rPr>
+              <a:t>scenarios</a:t>
+            </a:r>
             <a:endParaRPr lang="en-US" sz="3236" dirty="0">
               <a:solidFill>
                 <a:schemeClr val="tx1"/>
@@ -22890,14 +25481,10 @@
       </p:sp>
       <p:pic>
         <p:nvPicPr>
-          <p:cNvPr id="4" name="Picture 3" descr="The Predicting a classification from text diagram has Documents, which points to Text Normalization, which points to Feature Extraction, which points to Classification Model, which points to Document Labels. Vectors points to a table of words and percentages." title="Predicting a classification from text diagram">
-            <a:extLst>
-              <a:ext uri="{FF2B5EF4-FFF2-40B4-BE49-F238E27FC236}">
-                <a16:creationId xmlns:a16="http://schemas.microsoft.com/office/drawing/2014/main" id="{385CE7F5-6F0A-4F2D-B21B-7EE8AB45BD5C}"/>
-              </a:ext>
-            </a:extLst>
-          </p:cNvPr>
-          <p:cNvPicPr/>
+          <p:cNvPr id="3" name="Picture 2" descr="The Predicting a classification from text diagram has Documents, which points to Text Normalization, which points to Feature Extraction, which points to Classification Model, which points to Document Labels. Vectors points to a table of words and percentages." title="Predicting a classification from text diagram"/>
+          <p:cNvPicPr>
+            <a:picLocks noChangeAspect="1"/>
+          </p:cNvPicPr>
           <p:nvPr/>
         </p:nvPicPr>
         <p:blipFill>
@@ -22914,20 +25501,12 @@
         </p:blipFill>
         <p:spPr>
           <a:xfrm>
-            <a:off x="1509548" y="1124219"/>
-            <a:ext cx="9172904" cy="5265600"/>
+            <a:off x="1500377" y="1189176"/>
+            <a:ext cx="9193565" cy="5291787"/>
           </a:xfrm>
           <a:prstGeom prst="rect">
             <a:avLst/>
           </a:prstGeom>
-          <a:ln>
-            <a:solidFill>
-              <a:schemeClr val="tx1">
-                <a:lumMod val="60000"/>
-                <a:lumOff val="40000"/>
-              </a:schemeClr>
-            </a:solidFill>
-          </a:ln>
         </p:spPr>
       </p:pic>
     </p:spTree>

--- a/Whiteboard design session/WDS trainer presentation - Cognitive Services and deep learning.pptx
+++ b/Whiteboard design session/WDS trainer presentation - Cognitive Services and deep learning.pptx
@@ -25369,7 +25369,7 @@
       </p:sp>
       <p:pic>
         <p:nvPicPr>
-          <p:cNvPr id="14" name="Picture 13" descr="In the Traning a classification model with text diagram, Document labels points to Supervised ML or DL Algorithm, which points to Classification Model. Documents points to Text Normalization, which points to Feature Extraction, which points to Supervised ML or DL Algorithm. Vectors points to a table of words and percentages." title="Traning a classification model with text diagram"/>
+          <p:cNvPr id="16" name="Picture 15" descr="In the Traning a classification model with text diagram, Document labels points to Supervised ML or DL Algorithm, which points to Classification Model. Documents points to Text Normalization, which points to Feature Extraction, which points to Supervised ML or DL Algorithm. Vectors points to a table of words and percentages." title="Traning a classification model with text diagram"/>
           <p:cNvPicPr>
             <a:picLocks noChangeAspect="1"/>
           </p:cNvPicPr>
@@ -25389,7 +25389,7 @@
         </p:blipFill>
         <p:spPr>
           <a:xfrm>
-            <a:off x="1419432" y="1189176"/>
+            <a:off x="1512570" y="1270183"/>
             <a:ext cx="9169179" cy="5218628"/>
           </a:xfrm>
           <a:prstGeom prst="rect">
@@ -25481,7 +25481,7 @@
       </p:sp>
       <p:pic>
         <p:nvPicPr>
-          <p:cNvPr id="3" name="Picture 2" descr="The Predicting a classification from text diagram has Documents, which points to Text Normalization, which points to Feature Extraction, which points to Classification Model, which points to Document Labels. Vectors points to a table of words and percentages." title="Predicting a classification from text diagram"/>
+          <p:cNvPr id="11" name="Picture 10" descr="The Predicting a classification from text diagram has Documents, which points to Text Normalization, which points to Feature Extraction, which points to Classification Model, which points to Document Labels. Vectors points to a table of words and percentages." title="Predicting a classification from text diagram"/>
           <p:cNvPicPr>
             <a:picLocks noChangeAspect="1"/>
           </p:cNvPicPr>

--- a/Whiteboard design session/WDS trainer presentation - Cognitive Services and deep learning.pptx
+++ b/Whiteboard design session/WDS trainer presentation - Cognitive Services and deep learning.pptx
@@ -1135,7 +1135,7 @@
                 <a:ea typeface="+mn-ea"/>
                 <a:cs typeface="+mn-cs"/>
               </a:rPr>
-              <a:t>The claim image processing functions would invoke the Computer Vision Cognitive Service for automatically creating the caption and the tags from any supplied claim images. A mixture of pre-built AI, in the form of Cognitive Services and custom AI in the form of Azure ML services, would be used to process the claim text. The models used for processing the claims text would be trained in Azure Databricks notebooks. These models could also then be directly deployed from Azure Databricks using the Azure Machine Learning Service Python SDK. Azure Functions would be used to coordinate the calls to the classifications and summary AI services, which would run as containerized web services in Azure Container Service, while the Text Analytics API could be invoked directly to provide a sentiment score for each claim text.</a:t>
+              <a:t>The claim image processing functions would invoke the Computer Vision Cognitive Service for automatically creating the caption and the tags from any supplied claim images. A mixture of pre-built AI, in the form of Cognitive Services and custom AI in the form of Azure ML services, would be used to process the claim text. The models used for processing the claims text would be trained in Azure Notebooks. These models could also then be directly deployed from Azure Notebooks using the Azure Machine Learning Service Python SDK. Azure Functions would be used to coordinate the calls to the classifications and summary AI services, which would run as containerized web services in Azure Container Service, while the Text Analytics API could be invoked directly to provide a sentiment score for each claim text.</a:t>
             </a:r>
           </a:p>
           <a:p>
@@ -2993,7 +2993,7 @@
                   <a:prstClr val="black"/>
                 </a:solidFill>
               </a:rPr>
-              <a:t>6/6/19 7:13 PM</a:t>
+              <a:t>6/6/19 7:26 PM</a:t>
             </a:fld>
             <a:endParaRPr lang="en-US" dirty="0">
               <a:solidFill>
